--- a/Presentations/Optical Box Math.pptx
+++ b/Presentations/Optical Box Math.pptx
@@ -12,15 +12,18 @@
     <p:sldId id="260" r:id="rId6"/>
     <p:sldId id="272" r:id="rId7"/>
     <p:sldId id="270" r:id="rId8"/>
-    <p:sldId id="261" r:id="rId9"/>
-    <p:sldId id="264" r:id="rId10"/>
-    <p:sldId id="265" r:id="rId11"/>
-    <p:sldId id="266" r:id="rId12"/>
-    <p:sldId id="267" r:id="rId13"/>
-    <p:sldId id="268" r:id="rId14"/>
-    <p:sldId id="262" r:id="rId15"/>
-    <p:sldId id="271" r:id="rId16"/>
-    <p:sldId id="263" r:id="rId17"/>
+    <p:sldId id="274" r:id="rId9"/>
+    <p:sldId id="275" r:id="rId10"/>
+    <p:sldId id="276" r:id="rId11"/>
+    <p:sldId id="261" r:id="rId12"/>
+    <p:sldId id="264" r:id="rId13"/>
+    <p:sldId id="265" r:id="rId14"/>
+    <p:sldId id="266" r:id="rId15"/>
+    <p:sldId id="267" r:id="rId16"/>
+    <p:sldId id="268" r:id="rId17"/>
+    <p:sldId id="262" r:id="rId18"/>
+    <p:sldId id="271" r:id="rId19"/>
+    <p:sldId id="263" r:id="rId20"/>
   </p:sldIdLst>
   <p:sldSz cx="12192000" cy="6858000"/>
   <p:notesSz cx="6858000" cy="9144000"/>
@@ -872,7 +875,7 @@
           <a:p>
             <a:fld id="{484D2152-1EF8-4FD0-A563-4B7EA3D2B43D}" type="datetimeFigureOut">
               <a:rPr lang="ru-RU" smtClean="0"/>
-              <a:t>18.08.2015</a:t>
+              <a:t>23.08.2015</a:t>
             </a:fld>
             <a:endParaRPr lang="ru-RU"/>
           </a:p>
@@ -1123,7 +1126,7 @@
           <a:p>
             <a:fld id="{484D2152-1EF8-4FD0-A563-4B7EA3D2B43D}" type="datetimeFigureOut">
               <a:rPr lang="ru-RU" smtClean="0"/>
-              <a:t>18.08.2015</a:t>
+              <a:t>23.08.2015</a:t>
             </a:fld>
             <a:endParaRPr lang="ru-RU"/>
           </a:p>
@@ -1437,7 +1440,7 @@
           <a:p>
             <a:fld id="{484D2152-1EF8-4FD0-A563-4B7EA3D2B43D}" type="datetimeFigureOut">
               <a:rPr lang="ru-RU" smtClean="0"/>
-              <a:t>18.08.2015</a:t>
+              <a:t>23.08.2015</a:t>
             </a:fld>
             <a:endParaRPr lang="ru-RU"/>
           </a:p>
@@ -1770,7 +1773,7 @@
           <a:p>
             <a:fld id="{484D2152-1EF8-4FD0-A563-4B7EA3D2B43D}" type="datetimeFigureOut">
               <a:rPr lang="ru-RU" smtClean="0"/>
-              <a:t>18.08.2015</a:t>
+              <a:t>23.08.2015</a:t>
             </a:fld>
             <a:endParaRPr lang="ru-RU"/>
           </a:p>
@@ -2084,7 +2087,7 @@
           <a:p>
             <a:fld id="{484D2152-1EF8-4FD0-A563-4B7EA3D2B43D}" type="datetimeFigureOut">
               <a:rPr lang="ru-RU" smtClean="0"/>
-              <a:t>18.08.2015</a:t>
+              <a:t>23.08.2015</a:t>
             </a:fld>
             <a:endParaRPr lang="ru-RU"/>
           </a:p>
@@ -2477,7 +2480,7 @@
           <a:p>
             <a:fld id="{484D2152-1EF8-4FD0-A563-4B7EA3D2B43D}" type="datetimeFigureOut">
               <a:rPr lang="ru-RU" smtClean="0"/>
-              <a:t>18.08.2015</a:t>
+              <a:t>23.08.2015</a:t>
             </a:fld>
             <a:endParaRPr lang="ru-RU"/>
           </a:p>
@@ -2647,7 +2650,7 @@
           <a:p>
             <a:fld id="{484D2152-1EF8-4FD0-A563-4B7EA3D2B43D}" type="datetimeFigureOut">
               <a:rPr lang="ru-RU" smtClean="0"/>
-              <a:t>18.08.2015</a:t>
+              <a:t>23.08.2015</a:t>
             </a:fld>
             <a:endParaRPr lang="ru-RU"/>
           </a:p>
@@ -2827,7 +2830,7 @@
           <a:p>
             <a:fld id="{484D2152-1EF8-4FD0-A563-4B7EA3D2B43D}" type="datetimeFigureOut">
               <a:rPr lang="ru-RU" smtClean="0"/>
-              <a:t>18.08.2015</a:t>
+              <a:t>23.08.2015</a:t>
             </a:fld>
             <a:endParaRPr lang="ru-RU"/>
           </a:p>
@@ -2997,7 +3000,7 @@
           <a:p>
             <a:fld id="{484D2152-1EF8-4FD0-A563-4B7EA3D2B43D}" type="datetimeFigureOut">
               <a:rPr lang="ru-RU" smtClean="0"/>
-              <a:t>18.08.2015</a:t>
+              <a:t>23.08.2015</a:t>
             </a:fld>
             <a:endParaRPr lang="ru-RU"/>
           </a:p>
@@ -3244,7 +3247,7 @@
           <a:p>
             <a:fld id="{484D2152-1EF8-4FD0-A563-4B7EA3D2B43D}" type="datetimeFigureOut">
               <a:rPr lang="ru-RU" smtClean="0"/>
-              <a:t>18.08.2015</a:t>
+              <a:t>23.08.2015</a:t>
             </a:fld>
             <a:endParaRPr lang="ru-RU"/>
           </a:p>
@@ -3476,7 +3479,7 @@
           <a:p>
             <a:fld id="{484D2152-1EF8-4FD0-A563-4B7EA3D2B43D}" type="datetimeFigureOut">
               <a:rPr lang="ru-RU" smtClean="0"/>
-              <a:t>18.08.2015</a:t>
+              <a:t>23.08.2015</a:t>
             </a:fld>
             <a:endParaRPr lang="ru-RU"/>
           </a:p>
@@ -3850,7 +3853,7 @@
           <a:p>
             <a:fld id="{484D2152-1EF8-4FD0-A563-4B7EA3D2B43D}" type="datetimeFigureOut">
               <a:rPr lang="ru-RU" smtClean="0"/>
-              <a:t>18.08.2015</a:t>
+              <a:t>23.08.2015</a:t>
             </a:fld>
             <a:endParaRPr lang="ru-RU"/>
           </a:p>
@@ -3973,7 +3976,7 @@
           <a:p>
             <a:fld id="{484D2152-1EF8-4FD0-A563-4B7EA3D2B43D}" type="datetimeFigureOut">
               <a:rPr lang="ru-RU" smtClean="0"/>
-              <a:t>18.08.2015</a:t>
+              <a:t>23.08.2015</a:t>
             </a:fld>
             <a:endParaRPr lang="ru-RU"/>
           </a:p>
@@ -4068,7 +4071,7 @@
           <a:p>
             <a:fld id="{484D2152-1EF8-4FD0-A563-4B7EA3D2B43D}" type="datetimeFigureOut">
               <a:rPr lang="ru-RU" smtClean="0"/>
-              <a:t>18.08.2015</a:t>
+              <a:t>23.08.2015</a:t>
             </a:fld>
             <a:endParaRPr lang="ru-RU"/>
           </a:p>
@@ -4323,7 +4326,7 @@
           <a:p>
             <a:fld id="{484D2152-1EF8-4FD0-A563-4B7EA3D2B43D}" type="datetimeFigureOut">
               <a:rPr lang="ru-RU" smtClean="0"/>
-              <a:t>18.08.2015</a:t>
+              <a:t>23.08.2015</a:t>
             </a:fld>
             <a:endParaRPr lang="ru-RU"/>
           </a:p>
@@ -4628,7 +4631,7 @@
           <a:p>
             <a:fld id="{484D2152-1EF8-4FD0-A563-4B7EA3D2B43D}" type="datetimeFigureOut">
               <a:rPr lang="ru-RU" smtClean="0"/>
-              <a:t>18.08.2015</a:t>
+              <a:t>23.08.2015</a:t>
             </a:fld>
             <a:endParaRPr lang="ru-RU"/>
           </a:p>
@@ -5330,7 +5333,7 @@
           <a:p>
             <a:fld id="{484D2152-1EF8-4FD0-A563-4B7EA3D2B43D}" type="datetimeFigureOut">
               <a:rPr lang="ru-RU" smtClean="0"/>
-              <a:t>18.08.2015</a:t>
+              <a:t>23.08.2015</a:t>
             </a:fld>
             <a:endParaRPr lang="ru-RU"/>
           </a:p>
@@ -6004,7 +6007,7 @@
             </a:r>
             <a:r>
               <a:rPr lang="en-US" dirty="0" smtClean="0"/>
-              <a:t>Calibration Procedure</a:t>
+              <a:t>Math Model</a:t>
             </a:r>
             <a:endParaRPr lang="ru-RU" dirty="0"/>
           </a:p>
@@ -6012,291 +6015,910 @@
       </p:sp>
       <p:sp>
         <p:nvSpPr>
-          <p:cNvPr id="3" name="Объект 2"/>
-          <p:cNvSpPr>
-            <a:spLocks noGrp="1"/>
-          </p:cNvSpPr>
-          <p:nvPr>
-            <p:ph idx="1"/>
+          <p:cNvPr id="4" name="Нижний колонтитул 3"/>
+          <p:cNvSpPr>
+            <a:spLocks noGrp="1"/>
+          </p:cNvSpPr>
+          <p:nvPr>
+            <p:ph type="ftr" sz="quarter" idx="11"/>
           </p:nvPr>
         </p:nvSpPr>
         <p:spPr/>
         <p:txBody>
-          <a:bodyPr>
-            <a:normAutofit fontScale="85000" lnSpcReduction="20000"/>
-          </a:bodyPr>
-          <a:lstStyle/>
-          <a:p>
-            <a:pPr marL="342900" lvl="1" indent="-342900"/>
-            <a:r>
-              <a:rPr lang="en-US" dirty="0" smtClean="0"/>
-              <a:t>Let we need calculate fast Y=| X*M | where M – transform matrix like forward or backward Fourier </a:t>
-            </a:r>
-            <a:r>
-              <a:rPr lang="en-US" dirty="0"/>
-              <a:t>transforming, Walsh-</a:t>
-            </a:r>
-            <a:r>
-              <a:rPr lang="en-US" dirty="0" err="1"/>
-              <a:t>Hadamar</a:t>
-            </a:r>
-            <a:r>
-              <a:rPr lang="en-US" dirty="0"/>
-              <a:t> transforming </a:t>
-            </a:r>
-            <a:r>
-              <a:rPr lang="en-US" dirty="0" smtClean="0"/>
-              <a:t>or any another linear transform we need.</a:t>
-            </a:r>
-          </a:p>
-          <a:p>
-            <a:pPr marL="342900" lvl="1" indent="-342900"/>
-            <a:r>
-              <a:rPr lang="en-US" dirty="0" smtClean="0"/>
-              <a:t>If Y = OUTPUT(X1,X2,X3,…) is an output </a:t>
-            </a:r>
-            <a:r>
-              <a:rPr lang="en-US" dirty="0"/>
-              <a:t>from Optical Box </a:t>
-            </a:r>
-            <a:r>
-              <a:rPr lang="en-US" dirty="0" smtClean="0"/>
-              <a:t>with X1</a:t>
-            </a:r>
-            <a:r>
-              <a:rPr lang="en-US" dirty="0"/>
-              <a:t>, X2, X3 … </a:t>
-            </a:r>
-            <a:r>
-              <a:rPr lang="en-US" dirty="0" smtClean="0"/>
-              <a:t>values </a:t>
-            </a:r>
-            <a:r>
-              <a:rPr lang="en-US" dirty="0"/>
-              <a:t>of </a:t>
-            </a:r>
-            <a:r>
-              <a:rPr lang="en-US" dirty="0" smtClean="0"/>
-              <a:t>DLPs</a:t>
-            </a:r>
-          </a:p>
-          <a:p>
-            <a:pPr marL="342900" lvl="1" indent="-342900"/>
-            <a:r>
-              <a:rPr lang="en-US" dirty="0" smtClean="0"/>
-              <a:t>Let calculate with using PC </a:t>
-            </a:r>
-            <a:r>
-              <a:rPr lang="en-US" dirty="0"/>
-              <a:t>and Optical Box </a:t>
-            </a:r>
-            <a:r>
-              <a:rPr lang="en-US" dirty="0" smtClean="0"/>
-              <a:t>both function </a:t>
-            </a:r>
-          </a:p>
-          <a:p>
-            <a:pPr marL="0" lvl="1" indent="0" algn="ctr">
-              <a:buNone/>
-            </a:pPr>
-            <a:r>
-              <a:rPr lang="en-US" dirty="0" smtClean="0"/>
-              <a:t>F(X1,…,Xn-1) = max || OUTPUT(X1,…,Xn-1,X) - | X*M |</a:t>
-            </a:r>
-            <a:r>
-              <a:rPr lang="en-US" dirty="0"/>
-              <a:t> ||</a:t>
-            </a:r>
-            <a:r>
-              <a:rPr lang="en-US" dirty="0" smtClean="0"/>
-              <a:t>  for all X</a:t>
-            </a:r>
-          </a:p>
-          <a:p>
-            <a:pPr marL="0" lvl="1" indent="0" algn="ctr">
-              <a:buNone/>
-            </a:pPr>
-            <a:r>
-              <a:rPr lang="en-US" dirty="0" smtClean="0"/>
-              <a:t>Where || a - b|| is difference of two vectors</a:t>
-            </a:r>
-            <a:endParaRPr lang="ru-RU" dirty="0"/>
-          </a:p>
-          <a:p>
-            <a:pPr lvl="1"/>
-            <a:r>
-              <a:rPr lang="en-US" dirty="0" smtClean="0"/>
-              <a:t>For fixed X1</a:t>
-            </a:r>
-            <a:r>
-              <a:rPr lang="en-US" dirty="0"/>
-              <a:t>,…,</a:t>
-            </a:r>
-            <a:r>
-              <a:rPr lang="en-US" dirty="0" smtClean="0"/>
-              <a:t>Xn-1</a:t>
-            </a:r>
-            <a:r>
-              <a:rPr lang="en-US" dirty="0"/>
-              <a:t> </a:t>
-            </a:r>
-            <a:r>
-              <a:rPr lang="en-US" dirty="0" smtClean="0"/>
-              <a:t>to find out </a:t>
-            </a:r>
-            <a:r>
-              <a:rPr lang="en-US" dirty="0"/>
-              <a:t>max || OUTPUT(X1,…,Xn-1,X) - | X*M | || </a:t>
-            </a:r>
-            <a:r>
-              <a:rPr lang="en-US" dirty="0" smtClean="0"/>
-              <a:t>optimization algorithms of nonlinear function can be used as described in many student materials.</a:t>
-            </a:r>
-          </a:p>
-          <a:p>
-            <a:pPr lvl="1"/>
-            <a:r>
-              <a:rPr lang="en-US" dirty="0" smtClean="0"/>
-              <a:t>Calculations of </a:t>
-            </a:r>
-            <a:r>
-              <a:rPr lang="en-US" dirty="0"/>
-              <a:t>|| OUTPUT(X1,…,Xn-1,X) - | X*M | || </a:t>
-            </a:r>
-            <a:r>
-              <a:rPr lang="en-US" dirty="0" smtClean="0"/>
-              <a:t>are </a:t>
-            </a:r>
-            <a:r>
-              <a:rPr lang="en-US" dirty="0" err="1" smtClean="0"/>
-              <a:t>usualy</a:t>
-            </a:r>
-            <a:r>
-              <a:rPr lang="en-US" dirty="0" smtClean="0"/>
-              <a:t> fast</a:t>
-            </a:r>
-          </a:p>
-          <a:p>
-            <a:r>
-              <a:rPr lang="en-US" dirty="0" smtClean="0"/>
-              <a:t>Main task is </a:t>
-            </a:r>
-            <a:r>
-              <a:rPr lang="en-US" dirty="0"/>
-              <a:t>find </a:t>
-            </a:r>
-            <a:r>
-              <a:rPr lang="en-US" dirty="0" smtClean="0"/>
-              <a:t>out C1,…,Cn-1 such F(C1</a:t>
-            </a:r>
-            <a:r>
-              <a:rPr lang="en-US" dirty="0"/>
-              <a:t>,…,Cn-1 </a:t>
-            </a:r>
-            <a:r>
-              <a:rPr lang="en-US" dirty="0" smtClean="0"/>
-              <a:t>) = min F(X1</a:t>
-            </a:r>
-            <a:r>
-              <a:rPr lang="en-US" dirty="0"/>
-              <a:t>,…,Xn-1) </a:t>
-            </a:r>
-            <a:r>
-              <a:rPr lang="en-US" dirty="0" smtClean="0"/>
-              <a:t> for all X1</a:t>
-            </a:r>
-            <a:r>
-              <a:rPr lang="en-US" dirty="0"/>
-              <a:t>,…,</a:t>
-            </a:r>
-            <a:r>
-              <a:rPr lang="en-US" dirty="0" smtClean="0"/>
-              <a:t>Xn-1</a:t>
-            </a:r>
-          </a:p>
-          <a:p>
-            <a:pPr marL="742950" lvl="2" indent="-342900"/>
-            <a:r>
-              <a:rPr lang="en-US" dirty="0"/>
-              <a:t>optimization algorithms of nonlinear function can be used as described in many student </a:t>
-            </a:r>
-            <a:r>
-              <a:rPr lang="en-US" dirty="0" smtClean="0"/>
-              <a:t>materials too.</a:t>
-            </a:r>
-          </a:p>
-          <a:p>
-            <a:pPr marL="342900" lvl="1" indent="-342900"/>
-            <a:r>
-              <a:rPr lang="en-US" dirty="0" smtClean="0"/>
-              <a:t>Values C1</a:t>
-            </a:r>
-            <a:r>
-              <a:rPr lang="en-US" dirty="0"/>
-              <a:t>,…,</a:t>
-            </a:r>
-            <a:r>
-              <a:rPr lang="en-US" dirty="0" smtClean="0"/>
-              <a:t>Cn-1 will be named Calibration for transformation matrix M and</a:t>
-            </a:r>
-          </a:p>
-          <a:p>
-            <a:pPr marL="0" lvl="1" indent="0" algn="ctr">
-              <a:buNone/>
-            </a:pPr>
-            <a:r>
-              <a:rPr lang="en-US" b="1" dirty="0"/>
-              <a:t>Y=| X*M </a:t>
-            </a:r>
-            <a:r>
-              <a:rPr lang="en-US" b="1" dirty="0" smtClean="0"/>
-              <a:t>| = OUTPUT(C1</a:t>
-            </a:r>
-            <a:r>
-              <a:rPr lang="en-US" b="1" dirty="0"/>
-              <a:t>,…,</a:t>
-            </a:r>
-            <a:r>
-              <a:rPr lang="en-US" b="1" dirty="0" smtClean="0"/>
-              <a:t>Cn-1,X) </a:t>
-            </a:r>
-          </a:p>
-          <a:p>
-            <a:pPr marL="742950" lvl="2" indent="-342900"/>
-            <a:r>
-              <a:rPr lang="en-US" dirty="0"/>
-              <a:t>Where OUTPUT(C1,…,Cn-1,X) </a:t>
-            </a:r>
-            <a:r>
-              <a:rPr lang="en-US" dirty="0" smtClean="0"/>
-              <a:t>is an output </a:t>
-            </a:r>
-            <a:r>
-              <a:rPr lang="en-US" dirty="0"/>
-              <a:t>from Optical Box with C1,…,</a:t>
-            </a:r>
-            <a:r>
-              <a:rPr lang="en-US" dirty="0" smtClean="0"/>
-              <a:t>Cn-1, X </a:t>
-            </a:r>
-            <a:r>
-              <a:rPr lang="en-US" dirty="0"/>
-              <a:t>values of DLPs</a:t>
-            </a:r>
-          </a:p>
-          <a:p>
-            <a:pPr marL="342900" lvl="1" indent="-342900"/>
-            <a:endParaRPr lang="en-US" dirty="0"/>
-          </a:p>
-          <a:p>
-            <a:endParaRPr lang="ru-RU" dirty="0"/>
-          </a:p>
-        </p:txBody>
-      </p:sp>
+          <a:bodyPr/>
+          <a:lstStyle/>
+          <a:p>
+            <a:r>
+              <a:rPr lang="en-US" smtClean="0"/>
+              <a:t>DMITRY@PROTOPOPOV.RU</a:t>
+            </a:r>
+            <a:endParaRPr lang="ru-RU"/>
+          </a:p>
+        </p:txBody>
+      </p:sp>
+      <p:sp>
+        <p:nvSpPr>
+          <p:cNvPr id="5" name="Номер слайда 4"/>
+          <p:cNvSpPr>
+            <a:spLocks noGrp="1"/>
+          </p:cNvSpPr>
+          <p:nvPr>
+            <p:ph type="sldNum" sz="quarter" idx="12"/>
+          </p:nvPr>
+        </p:nvSpPr>
+        <p:spPr/>
+        <p:txBody>
+          <a:bodyPr/>
+          <a:lstStyle/>
+          <a:p>
+            <a:fld id="{C0AF4200-06F9-4C00-BF67-F73768F696CA}" type="slidenum">
+              <a:rPr lang="ru-RU" smtClean="0"/>
+              <a:t>10</a:t>
+            </a:fld>
+            <a:endParaRPr lang="ru-RU"/>
+          </a:p>
+        </p:txBody>
+      </p:sp>
+      <p:sp>
+        <p:nvSpPr>
+          <p:cNvPr id="6" name="Прямоугольник 5"/>
+          <p:cNvSpPr/>
+          <p:nvPr/>
+        </p:nvSpPr>
+        <p:spPr>
+          <a:xfrm>
+            <a:off x="4879571" y="2156230"/>
+            <a:ext cx="1620981" cy="2461923"/>
+          </a:xfrm>
+          <a:prstGeom prst="rect">
+            <a:avLst/>
+          </a:prstGeom>
+        </p:spPr>
+        <p:style>
+          <a:lnRef idx="2">
+            <a:schemeClr val="accent1">
+              <a:shade val="50000"/>
+            </a:schemeClr>
+          </a:lnRef>
+          <a:fillRef idx="1">
+            <a:schemeClr val="accent1"/>
+          </a:fillRef>
+          <a:effectRef idx="0">
+            <a:schemeClr val="accent1"/>
+          </a:effectRef>
+          <a:fontRef idx="minor">
+            <a:schemeClr val="lt1"/>
+          </a:fontRef>
+        </p:style>
+        <p:txBody>
+          <a:bodyPr rtlCol="0" anchor="ctr"/>
+          <a:lstStyle/>
+          <a:p>
+            <a:pPr algn="ctr"/>
+            <a:endParaRPr lang="ru-RU"/>
+          </a:p>
+        </p:txBody>
+      </p:sp>
+      <p:cxnSp>
+        <p:nvCxnSpPr>
+          <p:cNvPr id="22" name="Соединительная линия уступом 21"/>
+          <p:cNvCxnSpPr/>
+          <p:nvPr/>
+        </p:nvCxnSpPr>
+        <p:spPr>
+          <a:xfrm flipV="1">
+            <a:off x="6517178" y="3395891"/>
+            <a:ext cx="2655686" cy="2046782"/>
+          </a:xfrm>
+          <a:prstGeom prst="bentConnector3">
+            <a:avLst>
+              <a:gd name="adj1" fmla="val 130132"/>
+            </a:avLst>
+          </a:prstGeom>
+          <a:ln>
+            <a:tailEnd type="triangle"/>
+          </a:ln>
+        </p:spPr>
+        <p:style>
+          <a:lnRef idx="1">
+            <a:schemeClr val="accent1"/>
+          </a:lnRef>
+          <a:fillRef idx="0">
+            <a:schemeClr val="accent1"/>
+          </a:fillRef>
+          <a:effectRef idx="0">
+            <a:schemeClr val="accent1"/>
+          </a:effectRef>
+          <a:fontRef idx="minor">
+            <a:schemeClr val="tx1"/>
+          </a:fontRef>
+        </p:style>
+      </p:cxnSp>
+      <p:cxnSp>
+        <p:nvCxnSpPr>
+          <p:cNvPr id="25" name="Соединительная линия уступом 24"/>
+          <p:cNvCxnSpPr/>
+          <p:nvPr/>
+        </p:nvCxnSpPr>
+        <p:spPr>
+          <a:xfrm rot="16200000" flipH="1">
+            <a:off x="3743221" y="4306322"/>
+            <a:ext cx="1948503" cy="324197"/>
+          </a:xfrm>
+          <a:prstGeom prst="bentConnector3">
+            <a:avLst>
+              <a:gd name="adj1" fmla="val 100341"/>
+            </a:avLst>
+          </a:prstGeom>
+          <a:ln>
+            <a:tailEnd type="triangle"/>
+          </a:ln>
+        </p:spPr>
+        <p:style>
+          <a:lnRef idx="1">
+            <a:schemeClr val="accent1"/>
+          </a:lnRef>
+          <a:fillRef idx="0">
+            <a:schemeClr val="accent1"/>
+          </a:fillRef>
+          <a:effectRef idx="0">
+            <a:schemeClr val="accent1"/>
+          </a:effectRef>
+          <a:fontRef idx="minor">
+            <a:schemeClr val="tx1"/>
+          </a:fontRef>
+        </p:style>
+      </p:cxnSp>
+      <p:cxnSp>
+        <p:nvCxnSpPr>
+          <p:cNvPr id="30" name="Прямая со стрелкой 29"/>
+          <p:cNvCxnSpPr/>
+          <p:nvPr/>
+        </p:nvCxnSpPr>
+        <p:spPr>
+          <a:xfrm flipH="1">
+            <a:off x="4217323" y="3494170"/>
+            <a:ext cx="678873" cy="0"/>
+          </a:xfrm>
+          <a:prstGeom prst="straightConnector1">
+            <a:avLst/>
+          </a:prstGeom>
+          <a:ln>
+            <a:tailEnd type="triangle"/>
+          </a:ln>
+        </p:spPr>
+        <p:style>
+          <a:lnRef idx="1">
+            <a:schemeClr val="accent1"/>
+          </a:lnRef>
+          <a:fillRef idx="0">
+            <a:schemeClr val="accent1"/>
+          </a:fillRef>
+          <a:effectRef idx="0">
+            <a:schemeClr val="accent1"/>
+          </a:effectRef>
+          <a:fontRef idx="minor">
+            <a:schemeClr val="tx1"/>
+          </a:fontRef>
+        </p:style>
+      </p:cxnSp>
+      <p:cxnSp>
+        <p:nvCxnSpPr>
+          <p:cNvPr id="36" name="Прямая со стрелкой 35"/>
+          <p:cNvCxnSpPr/>
+          <p:nvPr/>
+        </p:nvCxnSpPr>
+        <p:spPr>
+          <a:xfrm flipH="1">
+            <a:off x="6517178" y="3494169"/>
+            <a:ext cx="556953" cy="0"/>
+          </a:xfrm>
+          <a:prstGeom prst="straightConnector1">
+            <a:avLst/>
+          </a:prstGeom>
+          <a:ln>
+            <a:tailEnd type="triangle"/>
+          </a:ln>
+        </p:spPr>
+        <p:style>
+          <a:lnRef idx="1">
+            <a:schemeClr val="accent1"/>
+          </a:lnRef>
+          <a:fillRef idx="0">
+            <a:schemeClr val="accent1"/>
+          </a:fillRef>
+          <a:effectRef idx="0">
+            <a:schemeClr val="accent1"/>
+          </a:effectRef>
+          <a:fontRef idx="minor">
+            <a:schemeClr val="tx1"/>
+          </a:fontRef>
+        </p:style>
+      </p:cxnSp>
+      <p:pic>
+        <p:nvPicPr>
+          <p:cNvPr id="37" name="Рисунок 36"/>
+          <p:cNvPicPr>
+            <a:picLocks noChangeAspect="1"/>
+          </p:cNvPicPr>
+          <p:nvPr/>
+        </p:nvPicPr>
+        <p:blipFill>
+          <a:blip r:embed="rId2" cstate="print">
+            <a:extLst>
+              <a:ext uri="{28A0092B-C50C-407E-A947-70E740481C1C}">
+                <a14:useLocalDpi xmlns:a14="http://schemas.microsoft.com/office/drawing/2010/main" val="0"/>
+              </a:ext>
+            </a:extLst>
+          </a:blip>
+          <a:stretch>
+            <a:fillRect/>
+          </a:stretch>
+        </p:blipFill>
+        <p:spPr>
+          <a:xfrm>
+            <a:off x="5544977" y="2267414"/>
+            <a:ext cx="333839" cy="306536"/>
+          </a:xfrm>
+          <a:prstGeom prst="rect">
+            <a:avLst/>
+          </a:prstGeom>
+        </p:spPr>
+      </p:pic>
+      <p:pic>
+        <p:nvPicPr>
+          <p:cNvPr id="38" name="Рисунок 37"/>
+          <p:cNvPicPr>
+            <a:picLocks noChangeAspect="1"/>
+          </p:cNvPicPr>
+          <p:nvPr/>
+        </p:nvPicPr>
+        <p:blipFill>
+          <a:blip r:embed="rId3" cstate="print">
+            <a:extLst>
+              <a:ext uri="{28A0092B-C50C-407E-A947-70E740481C1C}">
+                <a14:useLocalDpi xmlns:a14="http://schemas.microsoft.com/office/drawing/2010/main" val="0"/>
+              </a:ext>
+            </a:extLst>
+          </a:blip>
+          <a:stretch>
+            <a:fillRect/>
+          </a:stretch>
+        </p:blipFill>
+        <p:spPr>
+          <a:xfrm>
+            <a:off x="5443015" y="2649848"/>
+            <a:ext cx="537761" cy="295716"/>
+          </a:xfrm>
+          <a:prstGeom prst="rect">
+            <a:avLst/>
+          </a:prstGeom>
+        </p:spPr>
+      </p:pic>
+      <p:pic>
+        <p:nvPicPr>
+          <p:cNvPr id="39" name="Рисунок 38"/>
+          <p:cNvPicPr>
+            <a:picLocks noChangeAspect="1"/>
+          </p:cNvPicPr>
+          <p:nvPr/>
+        </p:nvPicPr>
+        <p:blipFill>
+          <a:blip r:embed="rId3" cstate="print">
+            <a:extLst>
+              <a:ext uri="{28A0092B-C50C-407E-A947-70E740481C1C}">
+                <a14:useLocalDpi xmlns:a14="http://schemas.microsoft.com/office/drawing/2010/main" val="0"/>
+              </a:ext>
+            </a:extLst>
+          </a:blip>
+          <a:stretch>
+            <a:fillRect/>
+          </a:stretch>
+        </p:blipFill>
+        <p:spPr>
+          <a:xfrm>
+            <a:off x="5443014" y="2987659"/>
+            <a:ext cx="537761" cy="295716"/>
+          </a:xfrm>
+          <a:prstGeom prst="rect">
+            <a:avLst/>
+          </a:prstGeom>
+        </p:spPr>
+      </p:pic>
+      <p:pic>
+        <p:nvPicPr>
+          <p:cNvPr id="40" name="Рисунок 39"/>
+          <p:cNvPicPr>
+            <a:picLocks noChangeAspect="1"/>
+          </p:cNvPicPr>
+          <p:nvPr/>
+        </p:nvPicPr>
+        <p:blipFill>
+          <a:blip r:embed="rId3" cstate="print">
+            <a:extLst>
+              <a:ext uri="{28A0092B-C50C-407E-A947-70E740481C1C}">
+                <a14:useLocalDpi xmlns:a14="http://schemas.microsoft.com/office/drawing/2010/main" val="0"/>
+              </a:ext>
+            </a:extLst>
+          </a:blip>
+          <a:stretch>
+            <a:fillRect/>
+          </a:stretch>
+        </p:blipFill>
+        <p:spPr>
+          <a:xfrm>
+            <a:off x="5432494" y="3340056"/>
+            <a:ext cx="537761" cy="295716"/>
+          </a:xfrm>
+          <a:prstGeom prst="rect">
+            <a:avLst/>
+          </a:prstGeom>
+        </p:spPr>
+      </p:pic>
+      <p:pic>
+        <p:nvPicPr>
+          <p:cNvPr id="41" name="Рисунок 40"/>
+          <p:cNvPicPr>
+            <a:picLocks noChangeAspect="1"/>
+          </p:cNvPicPr>
+          <p:nvPr/>
+        </p:nvPicPr>
+        <p:blipFill>
+          <a:blip r:embed="rId3" cstate="print">
+            <a:extLst>
+              <a:ext uri="{28A0092B-C50C-407E-A947-70E740481C1C}">
+                <a14:useLocalDpi xmlns:a14="http://schemas.microsoft.com/office/drawing/2010/main" val="0"/>
+              </a:ext>
+            </a:extLst>
+          </a:blip>
+          <a:stretch>
+            <a:fillRect/>
+          </a:stretch>
+        </p:blipFill>
+        <p:spPr>
+          <a:xfrm>
+            <a:off x="5432391" y="3670675"/>
+            <a:ext cx="537761" cy="295716"/>
+          </a:xfrm>
+          <a:prstGeom prst="rect">
+            <a:avLst/>
+          </a:prstGeom>
+        </p:spPr>
+      </p:pic>
+      <p:pic>
+        <p:nvPicPr>
+          <p:cNvPr id="44" name="Рисунок 43"/>
+          <p:cNvPicPr>
+            <a:picLocks noChangeAspect="1"/>
+          </p:cNvPicPr>
+          <p:nvPr/>
+        </p:nvPicPr>
+        <p:blipFill>
+          <a:blip r:embed="rId4">
+            <a:extLst>
+              <a:ext uri="{28A0092B-C50C-407E-A947-70E740481C1C}">
+                <a14:useLocalDpi xmlns:a14="http://schemas.microsoft.com/office/drawing/2010/main" val="0"/>
+              </a:ext>
+            </a:extLst>
+          </a:blip>
+          <a:stretch>
+            <a:fillRect/>
+          </a:stretch>
+        </p:blipFill>
+        <p:spPr>
+          <a:xfrm>
+            <a:off x="5053307" y="4729337"/>
+            <a:ext cx="1312025" cy="1312025"/>
+          </a:xfrm>
+          <a:prstGeom prst="rect">
+            <a:avLst/>
+          </a:prstGeom>
+        </p:spPr>
+      </p:pic>
+      <p:pic>
+        <p:nvPicPr>
+          <p:cNvPr id="45" name="Рисунок 44"/>
+          <p:cNvPicPr>
+            <a:picLocks noChangeAspect="1"/>
+          </p:cNvPicPr>
+          <p:nvPr/>
+        </p:nvPicPr>
+        <p:blipFill>
+          <a:blip r:embed="rId5" cstate="print">
+            <a:extLst>
+              <a:ext uri="{28A0092B-C50C-407E-A947-70E740481C1C}">
+                <a14:useLocalDpi xmlns:a14="http://schemas.microsoft.com/office/drawing/2010/main" val="0"/>
+              </a:ext>
+            </a:extLst>
+          </a:blip>
+          <a:stretch>
+            <a:fillRect/>
+          </a:stretch>
+        </p:blipFill>
+        <p:spPr>
+          <a:xfrm>
+            <a:off x="6824749" y="2368413"/>
+            <a:ext cx="1798496" cy="649945"/>
+          </a:xfrm>
+          <a:prstGeom prst="rect">
+            <a:avLst/>
+          </a:prstGeom>
+        </p:spPr>
+      </p:pic>
+      <p:pic>
+        <p:nvPicPr>
+          <p:cNvPr id="46" name="Рисунок 45"/>
+          <p:cNvPicPr>
+            <a:picLocks noChangeAspect="1"/>
+          </p:cNvPicPr>
+          <p:nvPr/>
+        </p:nvPicPr>
+        <p:blipFill>
+          <a:blip r:embed="rId5" cstate="print">
+            <a:extLst>
+              <a:ext uri="{28A0092B-C50C-407E-A947-70E740481C1C}">
+                <a14:useLocalDpi xmlns:a14="http://schemas.microsoft.com/office/drawing/2010/main" val="0"/>
+              </a:ext>
+            </a:extLst>
+          </a:blip>
+          <a:stretch>
+            <a:fillRect/>
+          </a:stretch>
+        </p:blipFill>
+        <p:spPr>
+          <a:xfrm>
+            <a:off x="6952201" y="2662686"/>
+            <a:ext cx="1798496" cy="649945"/>
+          </a:xfrm>
+          <a:prstGeom prst="rect">
+            <a:avLst/>
+          </a:prstGeom>
+        </p:spPr>
+      </p:pic>
+      <p:pic>
+        <p:nvPicPr>
+          <p:cNvPr id="47" name="Рисунок 46"/>
+          <p:cNvPicPr>
+            <a:picLocks noChangeAspect="1"/>
+          </p:cNvPicPr>
+          <p:nvPr/>
+        </p:nvPicPr>
+        <p:blipFill>
+          <a:blip r:embed="rId5" cstate="print">
+            <a:extLst>
+              <a:ext uri="{28A0092B-C50C-407E-A947-70E740481C1C}">
+                <a14:useLocalDpi xmlns:a14="http://schemas.microsoft.com/office/drawing/2010/main" val="0"/>
+              </a:ext>
+            </a:extLst>
+          </a:blip>
+          <a:stretch>
+            <a:fillRect/>
+          </a:stretch>
+        </p:blipFill>
+        <p:spPr>
+          <a:xfrm>
+            <a:off x="7151716" y="2955349"/>
+            <a:ext cx="1798496" cy="649945"/>
+          </a:xfrm>
+          <a:prstGeom prst="rect">
+            <a:avLst/>
+          </a:prstGeom>
+        </p:spPr>
+      </p:pic>
+      <p:pic>
+        <p:nvPicPr>
+          <p:cNvPr id="48" name="Рисунок 47"/>
+          <p:cNvPicPr>
+            <a:picLocks noChangeAspect="1"/>
+          </p:cNvPicPr>
+          <p:nvPr/>
+        </p:nvPicPr>
+        <p:blipFill>
+          <a:blip r:embed="rId5" cstate="print">
+            <a:extLst>
+              <a:ext uri="{28A0092B-C50C-407E-A947-70E740481C1C}">
+                <a14:useLocalDpi xmlns:a14="http://schemas.microsoft.com/office/drawing/2010/main" val="0"/>
+              </a:ext>
+            </a:extLst>
+          </a:blip>
+          <a:stretch>
+            <a:fillRect/>
+          </a:stretch>
+        </p:blipFill>
+        <p:spPr>
+          <a:xfrm>
+            <a:off x="7335183" y="3234345"/>
+            <a:ext cx="1798496" cy="649945"/>
+          </a:xfrm>
+          <a:prstGeom prst="rect">
+            <a:avLst/>
+          </a:prstGeom>
+        </p:spPr>
+      </p:pic>
+      <p:pic>
+        <p:nvPicPr>
+          <p:cNvPr id="49" name="Рисунок 48"/>
+          <p:cNvPicPr>
+            <a:picLocks noChangeAspect="1"/>
+          </p:cNvPicPr>
+          <p:nvPr/>
+        </p:nvPicPr>
+        <p:blipFill>
+          <a:blip r:embed="rId5" cstate="print">
+            <a:extLst>
+              <a:ext uri="{28A0092B-C50C-407E-A947-70E740481C1C}">
+                <a14:useLocalDpi xmlns:a14="http://schemas.microsoft.com/office/drawing/2010/main" val="0"/>
+              </a:ext>
+            </a:extLst>
+          </a:blip>
+          <a:stretch>
+            <a:fillRect/>
+          </a:stretch>
+        </p:blipFill>
+        <p:spPr>
+          <a:xfrm>
+            <a:off x="7518650" y="3496910"/>
+            <a:ext cx="1798496" cy="649945"/>
+          </a:xfrm>
+          <a:prstGeom prst="rect">
+            <a:avLst/>
+          </a:prstGeom>
+        </p:spPr>
+      </p:pic>
+      <p:pic>
+        <p:nvPicPr>
+          <p:cNvPr id="50" name="Рисунок 49"/>
+          <p:cNvPicPr>
+            <a:picLocks noChangeAspect="1"/>
+          </p:cNvPicPr>
+          <p:nvPr/>
+        </p:nvPicPr>
+        <p:blipFill>
+          <a:blip r:embed="rId5" cstate="print">
+            <a:extLst>
+              <a:ext uri="{28A0092B-C50C-407E-A947-70E740481C1C}">
+                <a14:useLocalDpi xmlns:a14="http://schemas.microsoft.com/office/drawing/2010/main" val="0"/>
+              </a:ext>
+            </a:extLst>
+          </a:blip>
+          <a:stretch>
+            <a:fillRect/>
+          </a:stretch>
+        </p:blipFill>
+        <p:spPr>
+          <a:xfrm>
+            <a:off x="7702117" y="3809044"/>
+            <a:ext cx="1798496" cy="649945"/>
+          </a:xfrm>
+          <a:prstGeom prst="rect">
+            <a:avLst/>
+          </a:prstGeom>
+        </p:spPr>
+      </p:pic>
+      <p:pic>
+        <p:nvPicPr>
+          <p:cNvPr id="51" name="Рисунок 50"/>
+          <p:cNvPicPr>
+            <a:picLocks noChangeAspect="1"/>
+          </p:cNvPicPr>
+          <p:nvPr/>
+        </p:nvPicPr>
+        <p:blipFill>
+          <a:blip r:embed="rId5" cstate="print">
+            <a:extLst>
+              <a:ext uri="{28A0092B-C50C-407E-A947-70E740481C1C}">
+                <a14:useLocalDpi xmlns:a14="http://schemas.microsoft.com/office/drawing/2010/main" val="0"/>
+              </a:ext>
+            </a:extLst>
+          </a:blip>
+          <a:stretch>
+            <a:fillRect/>
+          </a:stretch>
+        </p:blipFill>
+        <p:spPr>
+          <a:xfrm>
+            <a:off x="1541459" y="2284596"/>
+            <a:ext cx="1798496" cy="649945"/>
+          </a:xfrm>
+          <a:prstGeom prst="rect">
+            <a:avLst/>
+          </a:prstGeom>
+        </p:spPr>
+      </p:pic>
+      <p:pic>
+        <p:nvPicPr>
+          <p:cNvPr id="52" name="Рисунок 51"/>
+          <p:cNvPicPr>
+            <a:picLocks noChangeAspect="1"/>
+          </p:cNvPicPr>
+          <p:nvPr/>
+        </p:nvPicPr>
+        <p:blipFill>
+          <a:blip r:embed="rId5" cstate="print">
+            <a:extLst>
+              <a:ext uri="{28A0092B-C50C-407E-A947-70E740481C1C}">
+                <a14:useLocalDpi xmlns:a14="http://schemas.microsoft.com/office/drawing/2010/main" val="0"/>
+              </a:ext>
+            </a:extLst>
+          </a:blip>
+          <a:stretch>
+            <a:fillRect/>
+          </a:stretch>
+        </p:blipFill>
+        <p:spPr>
+          <a:xfrm>
+            <a:off x="1668911" y="2578869"/>
+            <a:ext cx="1798496" cy="649945"/>
+          </a:xfrm>
+          <a:prstGeom prst="rect">
+            <a:avLst/>
+          </a:prstGeom>
+        </p:spPr>
+      </p:pic>
+      <p:pic>
+        <p:nvPicPr>
+          <p:cNvPr id="53" name="Рисунок 52"/>
+          <p:cNvPicPr>
+            <a:picLocks noChangeAspect="1"/>
+          </p:cNvPicPr>
+          <p:nvPr/>
+        </p:nvPicPr>
+        <p:blipFill>
+          <a:blip r:embed="rId5" cstate="print">
+            <a:extLst>
+              <a:ext uri="{28A0092B-C50C-407E-A947-70E740481C1C}">
+                <a14:useLocalDpi xmlns:a14="http://schemas.microsoft.com/office/drawing/2010/main" val="0"/>
+              </a:ext>
+            </a:extLst>
+          </a:blip>
+          <a:stretch>
+            <a:fillRect/>
+          </a:stretch>
+        </p:blipFill>
+        <p:spPr>
+          <a:xfrm>
+            <a:off x="1868426" y="2871532"/>
+            <a:ext cx="1798496" cy="649945"/>
+          </a:xfrm>
+          <a:prstGeom prst="rect">
+            <a:avLst/>
+          </a:prstGeom>
+        </p:spPr>
+      </p:pic>
+      <p:pic>
+        <p:nvPicPr>
+          <p:cNvPr id="54" name="Рисунок 53"/>
+          <p:cNvPicPr>
+            <a:picLocks noChangeAspect="1"/>
+          </p:cNvPicPr>
+          <p:nvPr/>
+        </p:nvPicPr>
+        <p:blipFill>
+          <a:blip r:embed="rId5" cstate="print">
+            <a:extLst>
+              <a:ext uri="{28A0092B-C50C-407E-A947-70E740481C1C}">
+                <a14:useLocalDpi xmlns:a14="http://schemas.microsoft.com/office/drawing/2010/main" val="0"/>
+              </a:ext>
+            </a:extLst>
+          </a:blip>
+          <a:stretch>
+            <a:fillRect/>
+          </a:stretch>
+        </p:blipFill>
+        <p:spPr>
+          <a:xfrm>
+            <a:off x="2051893" y="3150528"/>
+            <a:ext cx="1798496" cy="649945"/>
+          </a:xfrm>
+          <a:prstGeom prst="rect">
+            <a:avLst/>
+          </a:prstGeom>
+        </p:spPr>
+      </p:pic>
+      <p:pic>
+        <p:nvPicPr>
+          <p:cNvPr id="55" name="Рисунок 54"/>
+          <p:cNvPicPr>
+            <a:picLocks noChangeAspect="1"/>
+          </p:cNvPicPr>
+          <p:nvPr/>
+        </p:nvPicPr>
+        <p:blipFill>
+          <a:blip r:embed="rId5" cstate="print">
+            <a:extLst>
+              <a:ext uri="{28A0092B-C50C-407E-A947-70E740481C1C}">
+                <a14:useLocalDpi xmlns:a14="http://schemas.microsoft.com/office/drawing/2010/main" val="0"/>
+              </a:ext>
+            </a:extLst>
+          </a:blip>
+          <a:stretch>
+            <a:fillRect/>
+          </a:stretch>
+        </p:blipFill>
+        <p:spPr>
+          <a:xfrm>
+            <a:off x="2235360" y="3413093"/>
+            <a:ext cx="1798496" cy="649945"/>
+          </a:xfrm>
+          <a:prstGeom prst="rect">
+            <a:avLst/>
+          </a:prstGeom>
+        </p:spPr>
+      </p:pic>
+      <p:pic>
+        <p:nvPicPr>
+          <p:cNvPr id="56" name="Рисунок 55"/>
+          <p:cNvPicPr>
+            <a:picLocks noChangeAspect="1"/>
+          </p:cNvPicPr>
+          <p:nvPr/>
+        </p:nvPicPr>
+        <p:blipFill>
+          <a:blip r:embed="rId5" cstate="print">
+            <a:extLst>
+              <a:ext uri="{28A0092B-C50C-407E-A947-70E740481C1C}">
+                <a14:useLocalDpi xmlns:a14="http://schemas.microsoft.com/office/drawing/2010/main" val="0"/>
+              </a:ext>
+            </a:extLst>
+          </a:blip>
+          <a:stretch>
+            <a:fillRect/>
+          </a:stretch>
+        </p:blipFill>
+        <p:spPr>
+          <a:xfrm>
+            <a:off x="2418827" y="3725227"/>
+            <a:ext cx="1798496" cy="649945"/>
+          </a:xfrm>
+          <a:prstGeom prst="rect">
+            <a:avLst/>
+          </a:prstGeom>
+        </p:spPr>
+      </p:pic>
+      <p:sp>
+        <p:nvSpPr>
+          <p:cNvPr id="57" name="Стрелка вниз 56"/>
+          <p:cNvSpPr/>
+          <p:nvPr/>
+        </p:nvSpPr>
+        <p:spPr>
+          <a:xfrm>
+            <a:off x="6752696" y="1321325"/>
+            <a:ext cx="2673937" cy="773084"/>
+          </a:xfrm>
+          <a:prstGeom prst="downArrow">
+            <a:avLst/>
+          </a:prstGeom>
+        </p:spPr>
+        <p:style>
+          <a:lnRef idx="2">
+            <a:schemeClr val="accent1">
+              <a:shade val="50000"/>
+            </a:schemeClr>
+          </a:lnRef>
+          <a:fillRef idx="1">
+            <a:schemeClr val="accent1"/>
+          </a:fillRef>
+          <a:effectRef idx="0">
+            <a:schemeClr val="accent1"/>
+          </a:effectRef>
+          <a:fontRef idx="minor">
+            <a:schemeClr val="lt1"/>
+          </a:fontRef>
+        </p:style>
+        <p:txBody>
+          <a:bodyPr rtlCol="0" anchor="ctr"/>
+          <a:lstStyle/>
+          <a:p>
+            <a:pPr algn="ctr"/>
+            <a:endParaRPr lang="ru-RU"/>
+          </a:p>
+        </p:txBody>
+      </p:sp>
+      <p:sp>
+        <p:nvSpPr>
+          <p:cNvPr id="58" name="Стрелка вниз 57"/>
+          <p:cNvSpPr/>
+          <p:nvPr/>
+        </p:nvSpPr>
+        <p:spPr>
+          <a:xfrm>
+            <a:off x="1430705" y="4895004"/>
+            <a:ext cx="2673937" cy="773084"/>
+          </a:xfrm>
+          <a:prstGeom prst="downArrow">
+            <a:avLst/>
+          </a:prstGeom>
+        </p:spPr>
+        <p:style>
+          <a:lnRef idx="2">
+            <a:schemeClr val="accent1">
+              <a:shade val="50000"/>
+            </a:schemeClr>
+          </a:lnRef>
+          <a:fillRef idx="1">
+            <a:schemeClr val="accent1"/>
+          </a:fillRef>
+          <a:effectRef idx="0">
+            <a:schemeClr val="accent1"/>
+          </a:effectRef>
+          <a:fontRef idx="minor">
+            <a:schemeClr val="lt1"/>
+          </a:fontRef>
+        </p:style>
+        <p:txBody>
+          <a:bodyPr rtlCol="0" anchor="ctr"/>
+          <a:lstStyle/>
+          <a:p>
+            <a:pPr algn="ctr"/>
+            <a:endParaRPr lang="ru-RU"/>
+          </a:p>
+        </p:txBody>
+      </p:sp>
+      <p:pic>
+        <p:nvPicPr>
+          <p:cNvPr id="3" name="Рисунок 2"/>
+          <p:cNvPicPr>
+            <a:picLocks noChangeAspect="1"/>
+          </p:cNvPicPr>
+          <p:nvPr/>
+        </p:nvPicPr>
+        <p:blipFill>
+          <a:blip r:embed="rId6" cstate="print">
+            <a:extLst>
+              <a:ext uri="{28A0092B-C50C-407E-A947-70E740481C1C}">
+                <a14:useLocalDpi xmlns:a14="http://schemas.microsoft.com/office/drawing/2010/main" val="0"/>
+              </a:ext>
+            </a:extLst>
+          </a:blip>
+          <a:stretch>
+            <a:fillRect/>
+          </a:stretch>
+        </p:blipFill>
+        <p:spPr>
+          <a:xfrm>
+            <a:off x="5339101" y="3906400"/>
+            <a:ext cx="725262" cy="725262"/>
+          </a:xfrm>
+          <a:prstGeom prst="rect">
+            <a:avLst/>
+          </a:prstGeom>
+        </p:spPr>
+      </p:pic>
+      <p:pic>
+        <p:nvPicPr>
+          <p:cNvPr id="7" name="Рисунок 6"/>
+          <p:cNvPicPr>
+            <a:picLocks noChangeAspect="1"/>
+          </p:cNvPicPr>
+          <p:nvPr/>
+        </p:nvPicPr>
+        <p:blipFill>
+          <a:blip r:embed="rId7" cstate="print">
+            <a:extLst>
+              <a:ext uri="{28A0092B-C50C-407E-A947-70E740481C1C}">
+                <a14:useLocalDpi xmlns:a14="http://schemas.microsoft.com/office/drawing/2010/main" val="0"/>
+              </a:ext>
+            </a:extLst>
+          </a:blip>
+          <a:stretch>
+            <a:fillRect/>
+          </a:stretch>
+        </p:blipFill>
+        <p:spPr>
+          <a:xfrm>
+            <a:off x="4893813" y="2166312"/>
+            <a:ext cx="441997" cy="475692"/>
+          </a:xfrm>
+          <a:prstGeom prst="rect">
+            <a:avLst/>
+          </a:prstGeom>
+        </p:spPr>
+      </p:pic>
     </p:spTree>
     <p:extLst>
       <p:ext uri="{BB962C8B-B14F-4D97-AF65-F5344CB8AC3E}">
-        <p14:creationId xmlns:p14="http://schemas.microsoft.com/office/powerpoint/2010/main" val="2408350504"/>
+        <p14:creationId xmlns:p14="http://schemas.microsoft.com/office/powerpoint/2010/main" val="2503214459"/>
       </p:ext>
     </p:extLst>
   </p:cSld>
@@ -6344,7 +6966,178 @@
             </a:r>
             <a:r>
               <a:rPr lang="en-US" dirty="0" smtClean="0"/>
-              <a:t>Calibration</a:t>
+              <a:t>Math</a:t>
+            </a:r>
+            <a:endParaRPr lang="ru-RU" dirty="0"/>
+          </a:p>
+        </p:txBody>
+      </p:sp>
+      <p:sp>
+        <p:nvSpPr>
+          <p:cNvPr id="3" name="Объект 2"/>
+          <p:cNvSpPr>
+            <a:spLocks noGrp="1"/>
+          </p:cNvSpPr>
+          <p:nvPr>
+            <p:ph idx="1"/>
+          </p:nvPr>
+        </p:nvSpPr>
+        <p:spPr>
+          <a:xfrm>
+            <a:off x="677334" y="1787237"/>
+            <a:ext cx="8596668" cy="4254126"/>
+          </a:xfrm>
+        </p:spPr>
+        <p:txBody>
+          <a:bodyPr>
+            <a:normAutofit/>
+          </a:bodyPr>
+          <a:lstStyle/>
+          <a:p>
+            <a:r>
+              <a:rPr lang="en-US" dirty="0"/>
+              <a:t>Optical Box Design do </a:t>
+            </a:r>
+            <a:r>
+              <a:rPr lang="en-US" dirty="0" smtClean="0"/>
+              <a:t>parallel math calculations of signals on DLP</a:t>
+            </a:r>
+          </a:p>
+          <a:p>
+            <a:r>
+              <a:rPr lang="en-US" dirty="0"/>
+              <a:t>Optical Box </a:t>
+            </a:r>
+            <a:r>
+              <a:rPr lang="en-US" dirty="0" smtClean="0"/>
+              <a:t>Design do not calculate Fourier </a:t>
+            </a:r>
+            <a:r>
+              <a:rPr lang="en-US" dirty="0"/>
+              <a:t>transforming </a:t>
+            </a:r>
+            <a:endParaRPr lang="en-US" dirty="0" smtClean="0"/>
+          </a:p>
+          <a:p>
+            <a:r>
+              <a:rPr lang="en-US" dirty="0"/>
+              <a:t>Optical Box Design do </a:t>
+            </a:r>
+            <a:r>
+              <a:rPr lang="en-US" dirty="0" smtClean="0"/>
+              <a:t>calculate Some (Unknown, depended from device implementation) Matrix Multiplication transforming </a:t>
+            </a:r>
+            <a:r>
+              <a:rPr lang="en-US" dirty="0"/>
+              <a:t>of signals on each FZP </a:t>
+            </a:r>
+            <a:endParaRPr lang="en-US" dirty="0" smtClean="0"/>
+          </a:p>
+          <a:p>
+            <a:r>
+              <a:rPr lang="en-US" dirty="0" smtClean="0"/>
+              <a:t>Because </a:t>
+            </a:r>
+            <a:r>
+              <a:rPr lang="en-US" dirty="0"/>
+              <a:t>Optical Box Design has </a:t>
+            </a:r>
+            <a:r>
+              <a:rPr lang="en-US" dirty="0" smtClean="0"/>
+              <a:t>more then two DLP</a:t>
+            </a:r>
+          </a:p>
+          <a:p>
+            <a:pPr lvl="1"/>
+            <a:r>
+              <a:rPr lang="en-US" dirty="0" smtClean="0"/>
+              <a:t>Reverse of Unknown Matrix </a:t>
+            </a:r>
+          </a:p>
+          <a:p>
+            <a:pPr lvl="2"/>
+            <a:r>
+              <a:rPr lang="en-US" dirty="0" smtClean="0"/>
+              <a:t>Can be calculated by experiments (during Optical </a:t>
+            </a:r>
+            <a:r>
+              <a:rPr lang="en-US" dirty="0"/>
+              <a:t>Box </a:t>
+            </a:r>
+            <a:r>
+              <a:rPr lang="en-US" dirty="0" smtClean="0"/>
+              <a:t>Calibration)</a:t>
+            </a:r>
+          </a:p>
+          <a:p>
+            <a:pPr lvl="2"/>
+            <a:r>
+              <a:rPr lang="en-US" dirty="0" smtClean="0"/>
+              <a:t>Can be saved for future use in embedded memory of </a:t>
+            </a:r>
+            <a:r>
+              <a:rPr lang="en-US" dirty="0"/>
+              <a:t>Optical Box </a:t>
+            </a:r>
+            <a:endParaRPr lang="en-US" dirty="0" smtClean="0"/>
+          </a:p>
+          <a:p>
+            <a:pPr lvl="2"/>
+            <a:r>
+              <a:rPr lang="en-US" dirty="0" smtClean="0"/>
+              <a:t>Can be used for </a:t>
+            </a:r>
+            <a:r>
+              <a:rPr lang="en-US" dirty="0"/>
+              <a:t>calculation needed </a:t>
+            </a:r>
+            <a:endParaRPr lang="en-US" dirty="0" smtClean="0"/>
+          </a:p>
+          <a:p>
+            <a:pPr lvl="1"/>
+            <a:r>
+              <a:rPr lang="en-US" dirty="0" smtClean="0"/>
+              <a:t>One DLP (if light is high polarized) or two DLP </a:t>
+            </a:r>
+            <a:r>
+              <a:rPr lang="en-US" dirty="0"/>
+              <a:t>(if light is </a:t>
+            </a:r>
+            <a:r>
+              <a:rPr lang="en-US" dirty="0" smtClean="0"/>
+              <a:t>low polarized</a:t>
+            </a:r>
+            <a:r>
+              <a:rPr lang="en-US" dirty="0"/>
+              <a:t>)</a:t>
+            </a:r>
+            <a:r>
+              <a:rPr lang="en-US" dirty="0" smtClean="0"/>
+              <a:t> can be used to correct total matrix production for </a:t>
+            </a:r>
+            <a:r>
+              <a:rPr lang="en-US" dirty="0"/>
+              <a:t>calculation </a:t>
+            </a:r>
+            <a:r>
+              <a:rPr lang="en-US" dirty="0" smtClean="0"/>
+              <a:t>needed like </a:t>
+            </a:r>
+            <a:r>
+              <a:rPr lang="en-US" dirty="0"/>
+              <a:t>Fourier </a:t>
+            </a:r>
+            <a:r>
+              <a:rPr lang="en-US" dirty="0" smtClean="0"/>
+              <a:t>transforming,</a:t>
+            </a:r>
+            <a:r>
+              <a:rPr lang="en-US" dirty="0"/>
+              <a:t> Walsh-</a:t>
+            </a:r>
+            <a:r>
+              <a:rPr lang="en-US" dirty="0" err="1"/>
+              <a:t>Hadamar</a:t>
             </a:r>
             <a:r>
               <a:rPr lang="en-US" dirty="0"/>
@@ -6352,121 +7145,8 @@
             </a:r>
             <a:r>
               <a:rPr lang="en-US" dirty="0" smtClean="0"/>
-              <a:t>Definition</a:t>
-            </a:r>
-            <a:endParaRPr lang="ru-RU" dirty="0"/>
-          </a:p>
-        </p:txBody>
-      </p:sp>
-      <p:sp>
-        <p:nvSpPr>
-          <p:cNvPr id="3" name="Объект 2"/>
-          <p:cNvSpPr>
-            <a:spLocks noGrp="1"/>
-          </p:cNvSpPr>
-          <p:nvPr>
-            <p:ph idx="1"/>
-          </p:nvPr>
-        </p:nvSpPr>
-        <p:spPr/>
-        <p:txBody>
-          <a:bodyPr/>
-          <a:lstStyle/>
-          <a:p>
-            <a:pPr marL="342900" lvl="1" indent="-342900"/>
-            <a:r>
-              <a:rPr lang="en-US" dirty="0"/>
-              <a:t>If Y = OUTPUT(X1,X2,X3,…) is an output from Optical Box with X1, X2, X3 … values of </a:t>
-            </a:r>
-            <a:r>
-              <a:rPr lang="en-US" dirty="0" smtClean="0"/>
-              <a:t>DLPs</a:t>
-            </a:r>
-          </a:p>
-          <a:p>
-            <a:pPr marL="342900" lvl="1" indent="-342900"/>
-            <a:r>
-              <a:rPr lang="en-US" dirty="0" smtClean="0"/>
-              <a:t>If </a:t>
-            </a:r>
-            <a:r>
-              <a:rPr lang="en-US" dirty="0"/>
-              <a:t>F(X1,…,Xn-1) = max || OUTPUT(X1,…,Xn-1,X) - | X*M | ||  for all </a:t>
-            </a:r>
-            <a:r>
-              <a:rPr lang="en-US" dirty="0" smtClean="0"/>
-              <a:t>X</a:t>
-            </a:r>
-          </a:p>
-          <a:p>
-            <a:pPr marL="342900" lvl="1" indent="-342900"/>
-            <a:r>
-              <a:rPr lang="en-US" dirty="0" smtClean="0"/>
-              <a:t>If </a:t>
-            </a:r>
-            <a:r>
-              <a:rPr lang="en-US" dirty="0"/>
-              <a:t>F(C1,…,Cn-1 ) = min F(X1,…,Xn-1)  for all X1,…,</a:t>
-            </a:r>
-            <a:r>
-              <a:rPr lang="en-US" dirty="0" smtClean="0"/>
-              <a:t>Xn-1</a:t>
-            </a:r>
-          </a:p>
-          <a:p>
-            <a:pPr marL="342900" lvl="1" indent="-342900"/>
-            <a:r>
-              <a:rPr lang="en-US" dirty="0" smtClean="0"/>
-              <a:t>Then values </a:t>
-            </a:r>
-            <a:r>
-              <a:rPr lang="en-US" dirty="0"/>
-              <a:t>C1,…,Cn-1 will be named Calibration for transformation matrix M and</a:t>
-            </a:r>
-          </a:p>
-          <a:p>
-            <a:pPr marL="0" lvl="1" indent="0" algn="ctr">
-              <a:buNone/>
-            </a:pPr>
-            <a:r>
-              <a:rPr lang="en-US" b="1" dirty="0"/>
-              <a:t>Y=| X*M | = OUTPUT(C1,…,Cn-1,X) </a:t>
-            </a:r>
-            <a:endParaRPr lang="en-US" b="1" dirty="0" smtClean="0"/>
-          </a:p>
-          <a:p>
-            <a:pPr marL="285750" lvl="1"/>
-            <a:r>
-              <a:rPr lang="en-US" dirty="0" smtClean="0"/>
-              <a:t>Calculations can be done with PC and </a:t>
-            </a:r>
-            <a:r>
-              <a:rPr lang="en-US" dirty="0"/>
-              <a:t>Optical Box </a:t>
-            </a:r>
-            <a:r>
-              <a:rPr lang="en-US" dirty="0" smtClean="0"/>
-              <a:t>together or within </a:t>
-            </a:r>
-            <a:r>
-              <a:rPr lang="en-US" dirty="0"/>
-              <a:t>Optical Box only </a:t>
-            </a:r>
-            <a:r>
-              <a:rPr lang="en-US" dirty="0" smtClean="0"/>
-              <a:t>using embedded discrete computer</a:t>
-            </a:r>
-            <a:endParaRPr lang="en-US" dirty="0"/>
-          </a:p>
-          <a:p>
-            <a:pPr marL="342900" lvl="1" indent="-342900"/>
-            <a:endParaRPr lang="en-US" dirty="0"/>
-          </a:p>
-          <a:p>
-            <a:pPr marL="342900" lvl="1" indent="-342900"/>
-            <a:endParaRPr lang="en-US" dirty="0"/>
-          </a:p>
-          <a:p>
+              <a:t>transforming and etc.</a:t>
+            </a:r>
             <a:endParaRPr lang="ru-RU" dirty="0"/>
           </a:p>
         </p:txBody>
@@ -6474,7 +7154,7 @@
     </p:spTree>
     <p:extLst>
       <p:ext uri="{BB962C8B-B14F-4D97-AF65-F5344CB8AC3E}">
-        <p14:creationId xmlns:p14="http://schemas.microsoft.com/office/powerpoint/2010/main" val="3456563418"/>
+        <p14:creationId xmlns:p14="http://schemas.microsoft.com/office/powerpoint/2010/main" val="2470139756"/>
       </p:ext>
     </p:extLst>
   </p:cSld>
@@ -6518,11 +7198,11 @@
           <a:p>
             <a:r>
               <a:rPr lang="en-US" dirty="0"/>
-              <a:t>Optical Box Calibration </a:t>
-            </a:r>
-            <a:r>
-              <a:rPr lang="en-US" dirty="0" smtClean="0"/>
-              <a:t>Size</a:t>
+              <a:t>Optical </a:t>
+            </a:r>
+            <a:r>
+              <a:rPr lang="en-US" dirty="0" smtClean="0"/>
+              <a:t>Math Laws</a:t>
             </a:r>
             <a:endParaRPr lang="ru-RU" dirty="0"/>
           </a:p>
@@ -6538,36 +7218,94 @@
             <p:ph idx="1"/>
           </p:nvPr>
         </p:nvSpPr>
-        <p:spPr/>
+        <p:spPr>
+          <a:xfrm>
+            <a:off x="677334" y="1579419"/>
+            <a:ext cx="8596668" cy="4461944"/>
+          </a:xfrm>
+        </p:spPr>
         <p:txBody>
           <a:bodyPr>
             <a:normAutofit fontScale="85000" lnSpcReduction="20000"/>
           </a:bodyPr>
           <a:lstStyle/>
           <a:p>
+            <a:pPr marL="0" indent="0">
+              <a:buNone/>
+            </a:pPr>
+            <a:r>
+              <a:rPr lang="en-US" dirty="0" smtClean="0"/>
+              <a:t>Classical view to</a:t>
+            </a:r>
             <a:r>
               <a:rPr lang="en-US" dirty="0"/>
-              <a:t>Optical Box </a:t>
-            </a:r>
-            <a:r>
-              <a:rPr lang="en-US" dirty="0" smtClean="0"/>
-              <a:t>OUTPUT(X1</a:t>
-            </a:r>
+              <a:t> Optical Box </a:t>
+            </a:r>
+            <a:r>
+              <a:rPr lang="en-US" dirty="0" smtClean="0"/>
+              <a:t>Model give us a formula suggested</a:t>
+            </a:r>
+            <a:endParaRPr lang="en-US" dirty="0"/>
+          </a:p>
+          <a:p>
+            <a:pPr marL="0" indent="0" algn="ctr">
+              <a:buNone/>
+            </a:pPr>
             <a:r>
               <a:rPr lang="en-US" dirty="0"/>
-              <a:t>,…,Xn-1,X</a:t>
-            </a:r>
-            <a:r>
-              <a:rPr lang="en-US" dirty="0" smtClean="0"/>
-              <a:t>) define COUNT(X1</a:t>
-            </a:r>
+              <a:t>Y</a:t>
+            </a:r>
+            <a:r>
+              <a:rPr lang="en-US" dirty="0" smtClean="0"/>
+              <a:t> = | X1 * M1 x X2 * M2 x X3 * M3 … |</a:t>
+            </a:r>
+          </a:p>
+          <a:p>
+            <a:pPr marL="0" indent="0" algn="ctr">
+              <a:buNone/>
+            </a:pPr>
+            <a:r>
+              <a:rPr lang="en-US" dirty="0" smtClean="0"/>
+              <a:t>Where are X1, X2, X3 … is real values of DLPs, </a:t>
+            </a:r>
+          </a:p>
+          <a:p>
+            <a:pPr marL="0" indent="0" algn="ctr">
+              <a:buNone/>
+            </a:pPr>
+            <a:r>
+              <a:rPr lang="en-US" dirty="0" smtClean="0"/>
+              <a:t>M1, M2, M3 … is complex transformation matrices depended from current device</a:t>
+            </a:r>
+          </a:p>
+          <a:p>
+            <a:pPr marL="0" indent="0" algn="ctr">
+              <a:buNone/>
+            </a:pPr>
+            <a:r>
+              <a:rPr lang="en-US" dirty="0" smtClean="0"/>
+              <a:t>Operator “x” – by-item vector multiplication</a:t>
+            </a:r>
+          </a:p>
+          <a:p>
+            <a:pPr marL="0" indent="0" algn="ctr">
+              <a:buNone/>
+            </a:pPr>
             <a:r>
               <a:rPr lang="en-US" dirty="0"/>
-              <a:t>,…,</a:t>
-            </a:r>
-            <a:r>
-              <a:rPr lang="en-US" dirty="0" smtClean="0"/>
-              <a:t>Xn-1) functions like</a:t>
+              <a:t>Operator </a:t>
+            </a:r>
+            <a:r>
+              <a:rPr lang="en-US" dirty="0" smtClean="0"/>
+              <a:t>“*” </a:t>
+            </a:r>
+            <a:r>
+              <a:rPr lang="en-US" dirty="0"/>
+              <a:t>– </a:t>
+            </a:r>
+            <a:r>
+              <a:rPr lang="en-US" dirty="0" smtClean="0"/>
+              <a:t>vector-to-matrix multiplication</a:t>
             </a:r>
           </a:p>
           <a:p>
@@ -6576,136 +7314,179 @@
             </a:pPr>
             <a:r>
               <a:rPr lang="en-US" dirty="0" smtClean="0"/>
-              <a:t> G(X)=</a:t>
+              <a:t>Operator || - </a:t>
             </a:r>
             <a:r>
               <a:rPr lang="en-US" dirty="0"/>
-              <a:t> OUTPUT(X1,…,Xn-1,X) </a:t>
-            </a:r>
-            <a:endParaRPr lang="en-US" dirty="0" smtClean="0"/>
-          </a:p>
-          <a:p>
-            <a:r>
-              <a:rPr lang="en-US" dirty="0" smtClean="0"/>
-              <a:t>Because RANG(X1</a:t>
+              <a:t>by-item </a:t>
+            </a:r>
+            <a:r>
+              <a:rPr lang="en-US" dirty="0" smtClean="0"/>
+              <a:t>amplitude taken </a:t>
+            </a:r>
+          </a:p>
+          <a:p>
+            <a:pPr marL="0" indent="0" algn="just">
+              <a:buNone/>
+            </a:pPr>
+            <a:r>
+              <a:rPr lang="en-US" dirty="0" smtClean="0"/>
+              <a:t>This formula suggested is based on classical linear optics with ideal light, precision sizes, etc. and is not valid for us because </a:t>
             </a:r>
             <a:r>
               <a:rPr lang="en-US" dirty="0"/>
-              <a:t>,…,Xn-1) </a:t>
-            </a:r>
-            <a:r>
-              <a:rPr lang="en-US" dirty="0" smtClean="0"/>
-              <a:t> &gt; RANG(X) </a:t>
-            </a:r>
-          </a:p>
-          <a:p>
-            <a:r>
-              <a:rPr lang="en-US" dirty="0" smtClean="0"/>
-              <a:t>Then not all functions like G(X</a:t>
+              <a:t>we are use Interference and Diffraction of light (EMW) </a:t>
+            </a:r>
+            <a:r>
+              <a:rPr lang="en-US" dirty="0" smtClean="0"/>
+              <a:t>on a real not high-precision device.</a:t>
+            </a:r>
+          </a:p>
+          <a:p>
+            <a:pPr marL="0" indent="0" algn="just">
+              <a:buNone/>
+            </a:pPr>
+            <a:r>
+              <a:rPr lang="en-US" dirty="0" smtClean="0"/>
+              <a:t>If Interference </a:t>
             </a:r>
             <a:r>
               <a:rPr lang="en-US" dirty="0"/>
-              <a:t>)= OUTPUT(X1,…,Xn-1,X</a:t>
-            </a:r>
-            <a:r>
-              <a:rPr lang="en-US" dirty="0" smtClean="0"/>
-              <a:t>) are linear</a:t>
-            </a:r>
-          </a:p>
-          <a:p>
-            <a:r>
-              <a:rPr lang="en-US" dirty="0" smtClean="0"/>
-              <a:t>But Optical Calculations with single lens in ideal conditions generate only linear transformations due EMW Composition Principle.</a:t>
-            </a:r>
-          </a:p>
-          <a:p>
-            <a:r>
-              <a:rPr lang="en-US" dirty="0" smtClean="0"/>
-              <a:t>Therefore </a:t>
+              <a:t>and Diffraction of light (EMW</a:t>
+            </a:r>
+            <a:r>
+              <a:rPr lang="en-US" dirty="0" smtClean="0"/>
+              <a:t>) the result effect is more complex and optic physics can guaranty only</a:t>
+            </a:r>
+          </a:p>
+          <a:p>
+            <a:pPr marL="0" indent="0" algn="ctr">
+              <a:buNone/>
+            </a:pPr>
+            <a:r>
+              <a:rPr lang="en-US" dirty="0" err="1"/>
+              <a:t>d</a:t>
+            </a:r>
+            <a:r>
+              <a:rPr lang="en-US" dirty="0" err="1" smtClean="0"/>
+              <a:t>Yi</a:t>
+            </a:r>
+            <a:r>
+              <a:rPr lang="en-US" dirty="0" smtClean="0"/>
+              <a:t> = | </a:t>
+            </a:r>
+            <a:r>
+              <a:rPr lang="en-US" dirty="0" err="1" smtClean="0"/>
+              <a:t>gi</a:t>
+            </a:r>
+            <a:r>
+              <a:rPr lang="en-US" dirty="0" smtClean="0"/>
+              <a:t>(X1</a:t>
             </a:r>
             <a:r>
               <a:rPr lang="en-US" dirty="0"/>
-              <a:t>Calibration </a:t>
-            </a:r>
-            <a:r>
-              <a:rPr lang="en-US" dirty="0" smtClean="0"/>
-              <a:t>allow to remove non-linear distortion due non-ideal </a:t>
-            </a:r>
+              <a:t>,…</a:t>
+            </a:r>
+            <a:r>
+              <a:rPr lang="en-US" dirty="0" smtClean="0"/>
+              <a:t>Xi) + </a:t>
+            </a:r>
+            <a:r>
+              <a:rPr lang="en-US" dirty="0" err="1" smtClean="0"/>
+              <a:t>dXi</a:t>
+            </a:r>
+            <a:r>
+              <a:rPr lang="en-US" dirty="0" smtClean="0"/>
+              <a:t>*</a:t>
+            </a:r>
+            <a:r>
+              <a:rPr lang="en-US" dirty="0" err="1" smtClean="0"/>
+              <a:t>Mi</a:t>
+            </a:r>
+            <a:r>
+              <a:rPr lang="en-US" dirty="0" smtClean="0"/>
+              <a:t> |</a:t>
+            </a:r>
+            <a:endParaRPr lang="ru-RU" dirty="0"/>
+          </a:p>
+          <a:p>
+            <a:pPr marL="0" indent="0" algn="ctr">
+              <a:buNone/>
+            </a:pPr>
+            <a:r>
+              <a:rPr lang="en-US" dirty="0" smtClean="0"/>
+              <a:t>Or </a:t>
+            </a:r>
+            <a:r>
+              <a:rPr lang="en-US" dirty="0" err="1" smtClean="0"/>
+              <a:t>dY</a:t>
+            </a:r>
+            <a:r>
+              <a:rPr lang="en-US" dirty="0" smtClean="0"/>
+              <a:t> = | g(X1,…,</a:t>
+            </a:r>
+            <a:r>
+              <a:rPr lang="en-US" dirty="0" err="1" smtClean="0"/>
+              <a:t>Xn</a:t>
+            </a:r>
+            <a:r>
+              <a:rPr lang="en-US" dirty="0" smtClean="0"/>
+              <a:t>) + </a:t>
+            </a:r>
+            <a:r>
+              <a:rPr lang="en-US" dirty="0" err="1" smtClean="0"/>
+              <a:t>dXn</a:t>
+            </a:r>
+            <a:r>
+              <a:rPr lang="en-US" dirty="0" smtClean="0"/>
+              <a:t>*</a:t>
+            </a:r>
+            <a:r>
+              <a:rPr lang="en-US" dirty="0" err="1" smtClean="0"/>
+              <a:t>Mn</a:t>
+            </a:r>
+            <a:r>
+              <a:rPr lang="en-US" dirty="0" smtClean="0"/>
+              <a:t> |</a:t>
+            </a:r>
+            <a:endParaRPr lang="ru-RU" dirty="0"/>
+          </a:p>
+          <a:p>
+            <a:pPr marL="0" indent="0" algn="ctr">
+              <a:buNone/>
+            </a:pPr>
             <a:r>
               <a:rPr lang="en-US" dirty="0"/>
-              <a:t>conditions </a:t>
-            </a:r>
-            <a:r>
-              <a:rPr lang="en-US" dirty="0" smtClean="0"/>
-              <a:t>of </a:t>
-            </a:r>
-            <a:r>
-              <a:rPr lang="en-US" dirty="0"/>
-              <a:t>single lens </a:t>
-            </a:r>
-            <a:r>
-              <a:rPr lang="en-US" dirty="0" smtClean="0"/>
-              <a:t>transformation.</a:t>
-            </a:r>
-          </a:p>
-          <a:p>
-            <a:pPr lvl="1"/>
-            <a:r>
-              <a:rPr lang="en-US" dirty="0" smtClean="0"/>
-              <a:t>Non-ideal light</a:t>
-            </a:r>
-          </a:p>
-          <a:p>
-            <a:pPr lvl="2"/>
-            <a:r>
-              <a:rPr lang="en-US" dirty="0"/>
-              <a:t>Non-Monochrome</a:t>
-            </a:r>
-          </a:p>
-          <a:p>
-            <a:pPr lvl="2"/>
-            <a:r>
-              <a:rPr lang="en-US" dirty="0"/>
-              <a:t>Non-Polarized</a:t>
-            </a:r>
-          </a:p>
-          <a:p>
-            <a:pPr lvl="2"/>
-            <a:r>
-              <a:rPr lang="en-US" dirty="0"/>
-              <a:t>Many Independent </a:t>
-            </a:r>
-            <a:r>
-              <a:rPr lang="en-US" dirty="0" smtClean="0"/>
-              <a:t>Sources and </a:t>
-            </a:r>
-            <a:r>
-              <a:rPr lang="en-US" dirty="0"/>
-              <a:t>Additional </a:t>
-            </a:r>
-            <a:r>
-              <a:rPr lang="en-US" dirty="0" smtClean="0"/>
-              <a:t>Reflections </a:t>
-            </a:r>
-          </a:p>
-          <a:p>
-            <a:pPr lvl="1"/>
-            <a:r>
-              <a:rPr lang="en-US" dirty="0" smtClean="0"/>
-              <a:t>Non-ideal geometry and etc</a:t>
-            </a:r>
-            <a:r>
-              <a:rPr lang="en-US" dirty="0"/>
-              <a:t>.</a:t>
-            </a:r>
-            <a:endParaRPr lang="en-US" dirty="0" smtClean="0"/>
+              <a:t>Where </a:t>
+            </a:r>
+            <a:r>
+              <a:rPr lang="en-US" dirty="0" smtClean="0"/>
+              <a:t>are g –</a:t>
+            </a:r>
+            <a:r>
+              <a:rPr lang="ru-RU" dirty="0" smtClean="0"/>
+              <a:t> </a:t>
+            </a:r>
+            <a:r>
+              <a:rPr lang="en-US" dirty="0" smtClean="0"/>
+              <a:t>non-linear function, low depended from O(</a:t>
+            </a:r>
+            <a:r>
+              <a:rPr lang="en-US" dirty="0" err="1" smtClean="0"/>
+              <a:t>dXn</a:t>
+            </a:r>
+            <a:r>
+              <a:rPr lang="en-US" dirty="0" smtClean="0"/>
+              <a:t>)</a:t>
+            </a:r>
+            <a:endParaRPr lang="ru-RU" dirty="0"/>
           </a:p>
         </p:txBody>
       </p:sp>
     </p:spTree>
     <p:extLst>
       <p:ext uri="{BB962C8B-B14F-4D97-AF65-F5344CB8AC3E}">
-        <p14:creationId xmlns:p14="http://schemas.microsoft.com/office/powerpoint/2010/main" val="2045784094"/>
+        <p14:creationId xmlns:p14="http://schemas.microsoft.com/office/powerpoint/2010/main" val="529913207"/>
       </p:ext>
     </p:extLst>
   </p:cSld>
@@ -6748,12 +7529,12 @@
           <a:lstStyle/>
           <a:p>
             <a:r>
-              <a:rPr lang="en-US" dirty="0" smtClean="0"/>
-              <a:t>Minimal Optical </a:t>
-            </a:r>
-            <a:r>
               <a:rPr lang="en-US" dirty="0"/>
-              <a:t>Box Calibration Size</a:t>
+              <a:t>Optical Box </a:t>
+            </a:r>
+            <a:r>
+              <a:rPr lang="en-US" dirty="0" smtClean="0"/>
+              <a:t>Calibration Procedure</a:t>
             </a:r>
             <a:endParaRPr lang="ru-RU" dirty="0"/>
           </a:p>
@@ -6772,116 +7553,269 @@
         <p:spPr/>
         <p:txBody>
           <a:bodyPr>
-            <a:normAutofit fontScale="92500" lnSpcReduction="20000"/>
+            <a:normAutofit fontScale="85000" lnSpcReduction="20000"/>
           </a:bodyPr>
           <a:lstStyle/>
           <a:p>
+            <a:pPr marL="342900" lvl="1" indent="-342900"/>
+            <a:r>
+              <a:rPr lang="en-US" dirty="0" smtClean="0"/>
+              <a:t>Let we need calculate fast Y=| X*M | where M – transform matrix like forward or backward Fourier </a:t>
+            </a:r>
             <a:r>
               <a:rPr lang="en-US" dirty="0"/>
-              <a:t>Calibration allow to remove non-linear distortion due non-ideal conditions of single lens transformation</a:t>
-            </a:r>
-            <a:r>
-              <a:rPr lang="en-US" dirty="0" smtClean="0"/>
-              <a:t>.</a:t>
-            </a:r>
-          </a:p>
-          <a:p>
-            <a:pPr marL="342900" lvl="2" indent="-342900"/>
-            <a:r>
-              <a:rPr lang="en-US" sz="1800" dirty="0"/>
-              <a:t>The main distortion for Interference and Diffraction of light caused by Non-Polarized </a:t>
-            </a:r>
-            <a:r>
-              <a:rPr lang="en-US" sz="1800" dirty="0" smtClean="0"/>
-              <a:t>light. Some materials can change light polarization during light reflection or pass thru transparent material.</a:t>
-            </a:r>
-          </a:p>
-          <a:p>
-            <a:pPr marL="800100" lvl="3" indent="-342900"/>
-            <a:r>
-              <a:rPr lang="en-US" sz="1600" dirty="0" smtClean="0"/>
-              <a:t>EMW consists of Electric and Magnetic Parts</a:t>
-            </a:r>
-          </a:p>
-          <a:p>
-            <a:pPr marL="1257300" lvl="4" indent="-342900"/>
-            <a:r>
-              <a:rPr lang="en-US" sz="1600" dirty="0" smtClean="0"/>
-              <a:t>If light is Non-Polarized Electric(or Magnetic) Parts of two beams are not summarize as values but </a:t>
-            </a:r>
-            <a:r>
-              <a:rPr lang="en-US" sz="1600" dirty="0"/>
-              <a:t>summarize as </a:t>
-            </a:r>
-            <a:r>
-              <a:rPr lang="en-US" sz="1600" dirty="0" smtClean="0"/>
-              <a:t>direct vectors so light detector catch average power for all cells and do not recognize Interference/Diffraction picture of two beams of light.</a:t>
-            </a:r>
-          </a:p>
-          <a:p>
-            <a:pPr marL="800100" lvl="3" indent="-342900"/>
-            <a:r>
-              <a:rPr lang="en-US" sz="1600" dirty="0"/>
-              <a:t>Electric and Magnetic </a:t>
-            </a:r>
-            <a:r>
-              <a:rPr lang="en-US" sz="1600" dirty="0" smtClean="0"/>
-              <a:t>Parts of any </a:t>
-            </a:r>
-            <a:r>
-              <a:rPr lang="en-US" sz="1600" dirty="0"/>
-              <a:t>EMW </a:t>
-            </a:r>
-            <a:r>
-              <a:rPr lang="en-US" sz="1600" dirty="0" smtClean="0"/>
-              <a:t>can be present as complex number or as a pair of real numbers</a:t>
-            </a:r>
-          </a:p>
-          <a:p>
-            <a:pPr marL="342900" lvl="2" indent="-342900"/>
-            <a:r>
-              <a:rPr lang="en-US" sz="1800" dirty="0" smtClean="0"/>
-              <a:t>Calibration which can remove </a:t>
-            </a:r>
-            <a:r>
-              <a:rPr lang="en-US" sz="1800" dirty="0"/>
-              <a:t>distortion </a:t>
-            </a:r>
-            <a:r>
-              <a:rPr lang="en-US" sz="1800" dirty="0" smtClean="0"/>
-              <a:t>caused by </a:t>
-            </a:r>
-            <a:r>
-              <a:rPr lang="en-US" sz="1800" dirty="0"/>
-              <a:t>Non-Polarized</a:t>
-            </a:r>
-            <a:r>
-              <a:rPr lang="en-US" sz="1800" dirty="0" smtClean="0"/>
+              <a:t>transforming, Walsh-</a:t>
+            </a:r>
+            <a:r>
+              <a:rPr lang="en-US" dirty="0" err="1"/>
+              <a:t>Hadamar</a:t>
+            </a:r>
+            <a:r>
+              <a:rPr lang="en-US" dirty="0"/>
+              <a:t> transforming </a:t>
+            </a:r>
+            <a:r>
+              <a:rPr lang="en-US" dirty="0" smtClean="0"/>
+              <a:t>or any another linear transform we need.</a:t>
+            </a:r>
+          </a:p>
+          <a:p>
+            <a:pPr marL="342900" lvl="1" indent="-342900"/>
+            <a:r>
+              <a:rPr lang="en-US" dirty="0" smtClean="0"/>
+              <a:t>If Y = OUTPUT(X1,X2,X3,…) is an output </a:t>
+            </a:r>
+            <a:r>
+              <a:rPr lang="en-US" dirty="0"/>
+              <a:t>from Optical Box </a:t>
+            </a:r>
+            <a:r>
+              <a:rPr lang="en-US" dirty="0" smtClean="0"/>
+              <a:t>with X1</a:t>
+            </a:r>
+            <a:r>
+              <a:rPr lang="en-US" dirty="0"/>
+              <a:t>, X2, X3 … </a:t>
+            </a:r>
+            <a:r>
+              <a:rPr lang="en-US" dirty="0" smtClean="0"/>
+              <a:t>values </a:t>
+            </a:r>
+            <a:r>
+              <a:rPr lang="en-US" dirty="0"/>
+              <a:t>of </a:t>
+            </a:r>
+            <a:r>
+              <a:rPr lang="en-US" dirty="0" smtClean="0"/>
+              <a:t>DLPs</a:t>
+            </a:r>
+          </a:p>
+          <a:p>
+            <a:pPr marL="342900" lvl="1" indent="-342900"/>
+            <a:r>
+              <a:rPr lang="en-US" dirty="0" smtClean="0"/>
+              <a:t>Let calculate with using PC </a:t>
+            </a:r>
+            <a:r>
+              <a:rPr lang="en-US" dirty="0"/>
+              <a:t>and Optical Box </a:t>
+            </a:r>
+            <a:r>
+              <a:rPr lang="en-US" dirty="0" smtClean="0"/>
+              <a:t>both function </a:t>
+            </a:r>
+          </a:p>
+          <a:p>
+            <a:pPr marL="0" lvl="1" indent="0" algn="ctr">
+              <a:buNone/>
+            </a:pPr>
+            <a:r>
+              <a:rPr lang="en-US" dirty="0" smtClean="0"/>
+              <a:t>F(X1,…,Xn-1) = max || OUTPUT(X1,…,Xn-1,X) - | X*M |</a:t>
+            </a:r>
+            <a:r>
+              <a:rPr lang="en-US" dirty="0"/>
+              <a:t> ||</a:t>
+            </a:r>
+            <a:r>
+              <a:rPr lang="en-US" dirty="0" smtClean="0"/>
+              <a:t>  for all X</a:t>
+            </a:r>
+          </a:p>
+          <a:p>
+            <a:pPr marL="0" lvl="1" indent="0" algn="ctr">
+              <a:buNone/>
+            </a:pPr>
+            <a:r>
+              <a:rPr lang="en-US" dirty="0" smtClean="0"/>
+              <a:t>Where || a - b|| is difference of two vectors</a:t>
+            </a:r>
+            <a:endParaRPr lang="ru-RU" dirty="0"/>
+          </a:p>
+          <a:p>
+            <a:pPr lvl="1"/>
+            <a:r>
+              <a:rPr lang="en-US" dirty="0" smtClean="0"/>
+              <a:t>For fixed X1</a:t>
+            </a:r>
+            <a:r>
+              <a:rPr lang="en-US" dirty="0"/>
+              <a:t>,…,</a:t>
+            </a:r>
+            <a:r>
+              <a:rPr lang="en-US" dirty="0" smtClean="0"/>
+              <a:t>Xn-1</a:t>
+            </a:r>
+            <a:r>
+              <a:rPr lang="en-US" dirty="0"/>
               <a:t> </a:t>
             </a:r>
             <a:r>
-              <a:rPr lang="en-US" sz="1800" dirty="0"/>
-              <a:t>light </a:t>
-            </a:r>
-            <a:r>
-              <a:rPr lang="en-US" sz="1800" dirty="0" smtClean="0"/>
-              <a:t>must contains a </a:t>
-            </a:r>
-            <a:r>
-              <a:rPr lang="en-US" sz="1800" dirty="0"/>
-              <a:t>pair of real calibration values for </a:t>
-            </a:r>
-            <a:r>
-              <a:rPr lang="en-US" sz="1800" dirty="0" smtClean="0"/>
-              <a:t>any output amplitude value at point as real number.</a:t>
-            </a:r>
-            <a:endParaRPr lang="en-US" sz="1800" dirty="0"/>
-          </a:p>
-          <a:p>
-            <a:pPr marL="1257300" lvl="4" indent="-342900"/>
-            <a:endParaRPr lang="en-US" sz="1600" dirty="0"/>
-          </a:p>
-          <a:p>
+              <a:rPr lang="en-US" dirty="0" smtClean="0"/>
+              <a:t>to find out </a:t>
+            </a:r>
+            <a:r>
+              <a:rPr lang="en-US" dirty="0"/>
+              <a:t>max || OUTPUT(X1,…,Xn-1,X) - | X*M | || </a:t>
+            </a:r>
+            <a:r>
+              <a:rPr lang="en-US" dirty="0" smtClean="0"/>
+              <a:t>optimization algorithms of nonlinear function can be used as described in many student materials.</a:t>
+            </a:r>
+          </a:p>
+          <a:p>
+            <a:pPr lvl="1"/>
+            <a:r>
+              <a:rPr lang="en-US" dirty="0" smtClean="0"/>
+              <a:t>Calculations of </a:t>
+            </a:r>
+            <a:r>
+              <a:rPr lang="en-US" dirty="0"/>
+              <a:t>|| OUTPUT(X1,…,Xn-1,X) - | X*M | || </a:t>
+            </a:r>
+            <a:r>
+              <a:rPr lang="en-US" dirty="0" smtClean="0"/>
+              <a:t>are </a:t>
+            </a:r>
+            <a:r>
+              <a:rPr lang="en-US" dirty="0" err="1" smtClean="0"/>
+              <a:t>usualy</a:t>
+            </a:r>
+            <a:r>
+              <a:rPr lang="en-US" dirty="0" smtClean="0"/>
+              <a:t> fast</a:t>
+            </a:r>
+          </a:p>
+          <a:p>
+            <a:r>
+              <a:rPr lang="en-US" dirty="0" smtClean="0"/>
+              <a:t>Main task is </a:t>
+            </a:r>
+            <a:r>
+              <a:rPr lang="en-US" dirty="0"/>
+              <a:t>find </a:t>
+            </a:r>
+            <a:r>
+              <a:rPr lang="en-US" dirty="0" smtClean="0"/>
+              <a:t>out C1,…,Cn-1 such F(C1</a:t>
+            </a:r>
+            <a:r>
+              <a:rPr lang="en-US" dirty="0"/>
+              <a:t>,…,Cn-1 </a:t>
+            </a:r>
+            <a:r>
+              <a:rPr lang="en-US" dirty="0" smtClean="0"/>
+              <a:t>) = min F(X1</a:t>
+            </a:r>
+            <a:r>
+              <a:rPr lang="en-US" dirty="0"/>
+              <a:t>,…,Xn-1) </a:t>
+            </a:r>
+            <a:r>
+              <a:rPr lang="en-US" dirty="0" smtClean="0"/>
+              <a:t> for all X1</a:t>
+            </a:r>
+            <a:r>
+              <a:rPr lang="en-US" dirty="0"/>
+              <a:t>,…,</a:t>
+            </a:r>
+            <a:r>
+              <a:rPr lang="en-US" dirty="0" smtClean="0"/>
+              <a:t>Xn-1</a:t>
+            </a:r>
+          </a:p>
+          <a:p>
+            <a:pPr marL="742950" lvl="2" indent="-342900"/>
+            <a:r>
+              <a:rPr lang="en-US" dirty="0"/>
+              <a:t>optimization algorithms of nonlinear function can be used as described in many student </a:t>
+            </a:r>
+            <a:r>
+              <a:rPr lang="en-US" dirty="0" smtClean="0"/>
+              <a:t>materials too.</a:t>
+            </a:r>
+          </a:p>
+          <a:p>
+            <a:pPr marL="342900" lvl="1" indent="-342900"/>
+            <a:r>
+              <a:rPr lang="en-US" dirty="0" smtClean="0"/>
+              <a:t>Values C1</a:t>
+            </a:r>
+            <a:r>
+              <a:rPr lang="en-US" dirty="0"/>
+              <a:t>,…,</a:t>
+            </a:r>
+            <a:r>
+              <a:rPr lang="en-US" dirty="0" smtClean="0"/>
+              <a:t>Cn-1 will be named Calibration for transformation matrix M and</a:t>
+            </a:r>
+          </a:p>
+          <a:p>
+            <a:pPr marL="0" lvl="1" indent="0" algn="ctr">
+              <a:buNone/>
+            </a:pPr>
+            <a:r>
+              <a:rPr lang="en-US" b="1" dirty="0"/>
+              <a:t>Y=| X*M </a:t>
+            </a:r>
+            <a:r>
+              <a:rPr lang="en-US" b="1" dirty="0" smtClean="0"/>
+              <a:t>| = OUTPUT(C1</a:t>
+            </a:r>
+            <a:r>
+              <a:rPr lang="en-US" b="1" dirty="0"/>
+              <a:t>,…,</a:t>
+            </a:r>
+            <a:r>
+              <a:rPr lang="en-US" b="1" dirty="0" smtClean="0"/>
+              <a:t>Cn-1,X) </a:t>
+            </a:r>
+          </a:p>
+          <a:p>
+            <a:pPr marL="742950" lvl="2" indent="-342900"/>
+            <a:r>
+              <a:rPr lang="en-US" dirty="0"/>
+              <a:t>Where OUTPUT(C1,…,Cn-1,X) </a:t>
+            </a:r>
+            <a:r>
+              <a:rPr lang="en-US" dirty="0" smtClean="0"/>
+              <a:t>is an output </a:t>
+            </a:r>
+            <a:r>
+              <a:rPr lang="en-US" dirty="0"/>
+              <a:t>from Optical Box with C1,…,</a:t>
+            </a:r>
+            <a:r>
+              <a:rPr lang="en-US" dirty="0" smtClean="0"/>
+              <a:t>Cn-1, X </a:t>
+            </a:r>
+            <a:r>
+              <a:rPr lang="en-US" dirty="0"/>
+              <a:t>values of DLPs</a:t>
+            </a:r>
+          </a:p>
+          <a:p>
+            <a:pPr marL="342900" lvl="1" indent="-342900"/>
             <a:endParaRPr lang="en-US" dirty="0"/>
           </a:p>
           <a:p>
@@ -6892,7 +7826,7 @@
     </p:spTree>
     <p:extLst>
       <p:ext uri="{BB962C8B-B14F-4D97-AF65-F5344CB8AC3E}">
-        <p14:creationId xmlns:p14="http://schemas.microsoft.com/office/powerpoint/2010/main" val="4000527115"/>
+        <p14:creationId xmlns:p14="http://schemas.microsoft.com/office/powerpoint/2010/main" val="2408350504"/>
       </p:ext>
     </p:extLst>
   </p:cSld>
@@ -6936,11 +7870,19 @@
           <a:p>
             <a:r>
               <a:rPr lang="en-US" dirty="0"/>
-              <a:t>Optical Box Calculations </a:t>
-            </a:r>
-            <a:r>
-              <a:rPr lang="en-US" dirty="0" smtClean="0"/>
-              <a:t>Precision</a:t>
+              <a:t>Optical Box </a:t>
+            </a:r>
+            <a:r>
+              <a:rPr lang="en-US" dirty="0" smtClean="0"/>
+              <a:t>Calibration</a:t>
+            </a:r>
+            <a:r>
+              <a:rPr lang="en-US" dirty="0"/>
+              <a:t> </a:t>
+            </a:r>
+            <a:r>
+              <a:rPr lang="en-US" dirty="0" smtClean="0"/>
+              <a:t>Definition</a:t>
             </a:r>
             <a:endParaRPr lang="ru-RU" dirty="0"/>
           </a:p>
@@ -6961,90 +7903,108 @@
           <a:bodyPr/>
           <a:lstStyle/>
           <a:p>
-            <a:r>
-              <a:rPr lang="en-US" dirty="0" smtClean="0"/>
-              <a:t>Fact</a:t>
-            </a:r>
-          </a:p>
-          <a:p>
-            <a:pPr lvl="1"/>
-            <a:r>
-              <a:rPr lang="en-US" dirty="0" smtClean="0"/>
-              <a:t>Calculation with using optics </a:t>
-            </a:r>
+            <a:pPr marL="342900" lvl="1" indent="-342900"/>
             <a:r>
               <a:rPr lang="en-US" dirty="0"/>
-              <a:t>calculations </a:t>
-            </a:r>
-            <a:r>
-              <a:rPr lang="en-US" dirty="0" smtClean="0"/>
-              <a:t>gives rough results</a:t>
-            </a:r>
-          </a:p>
-          <a:p>
-            <a:r>
-              <a:rPr lang="en-US" dirty="0" smtClean="0"/>
-              <a:t>Solution Ways</a:t>
-            </a:r>
-          </a:p>
-          <a:p>
-            <a:pPr lvl="1"/>
-            <a:r>
-              <a:rPr lang="en-US" dirty="0" smtClean="0"/>
-              <a:t>Same algorithms like sorting, brute force, branch-and-bounds and etc. do not need precision for all </a:t>
+              <a:t>If Y = OUTPUT(X1,X2,X3,…) is an output from Optical Box with X1, X2, X3 … values of </a:t>
+            </a:r>
+            <a:r>
+              <a:rPr lang="en-US" dirty="0" smtClean="0"/>
+              <a:t>DLPs</a:t>
+            </a:r>
+          </a:p>
+          <a:p>
+            <a:pPr marL="342900" lvl="1" indent="-342900"/>
+            <a:r>
+              <a:rPr lang="en-US" dirty="0" smtClean="0"/>
+              <a:t>If </a:t>
             </a:r>
             <a:r>
               <a:rPr lang="en-US" dirty="0"/>
-              <a:t>results </a:t>
-            </a:r>
-            <a:r>
-              <a:rPr lang="en-US" dirty="0" smtClean="0"/>
-              <a:t>but selected only. Selected </a:t>
+              <a:t>F(X1,…,Xn-1) = max || OUTPUT(X1,…,Xn-1,X) - | X*M | ||  for all </a:t>
+            </a:r>
+            <a:r>
+              <a:rPr lang="en-US" dirty="0" smtClean="0"/>
+              <a:t>X</a:t>
+            </a:r>
+          </a:p>
+          <a:p>
+            <a:pPr marL="342900" lvl="1" indent="-342900"/>
+            <a:r>
+              <a:rPr lang="en-US" dirty="0" smtClean="0"/>
+              <a:t>If </a:t>
             </a:r>
             <a:r>
               <a:rPr lang="en-US" dirty="0"/>
-              <a:t>results </a:t>
-            </a:r>
-            <a:r>
-              <a:rPr lang="en-US" dirty="0" smtClean="0"/>
-              <a:t>can by calculated traditional way.</a:t>
-            </a:r>
-          </a:p>
-          <a:p>
-            <a:pPr lvl="1"/>
-            <a:r>
-              <a:rPr lang="en-US" dirty="0" smtClean="0"/>
-              <a:t>There are many step-by-step math iteration algorithms exists to up </a:t>
+              <a:t>F(C1,…,Cn-1 ) = min F(X1,…,Xn-1)  for all X1,…,</a:t>
+            </a:r>
+            <a:r>
+              <a:rPr lang="en-US" dirty="0" smtClean="0"/>
+              <a:t>Xn-1</a:t>
+            </a:r>
+          </a:p>
+          <a:p>
+            <a:pPr marL="342900" lvl="1" indent="-342900"/>
+            <a:r>
+              <a:rPr lang="en-US" dirty="0" smtClean="0"/>
+              <a:t>Then values </a:t>
             </a:r>
             <a:r>
               <a:rPr lang="en-US" dirty="0"/>
-              <a:t>precision </a:t>
-            </a:r>
-            <a:r>
-              <a:rPr lang="en-US" dirty="0" smtClean="0"/>
-              <a:t>as needed</a:t>
-            </a:r>
-          </a:p>
-          <a:p>
-            <a:r>
-              <a:rPr lang="en-US" dirty="0" smtClean="0"/>
-              <a:t>Conclusion</a:t>
-            </a:r>
-          </a:p>
-          <a:p>
-            <a:pPr lvl="1"/>
-            <a:r>
-              <a:rPr lang="en-US" sz="2400" dirty="0" smtClean="0"/>
-              <a:t>Rough results can by used effectively </a:t>
-            </a:r>
-            <a:endParaRPr lang="ru-RU" sz="2400" dirty="0"/>
+              <a:t>C1,…,Cn-1 will be named Calibration for transformation matrix M and</a:t>
+            </a:r>
+          </a:p>
+          <a:p>
+            <a:pPr marL="0" lvl="1" indent="0" algn="ctr">
+              <a:buNone/>
+            </a:pPr>
+            <a:r>
+              <a:rPr lang="en-US" b="1" dirty="0"/>
+              <a:t>Y=| X*M | = OUTPUT(C1,…,Cn-1,X) </a:t>
+            </a:r>
+            <a:endParaRPr lang="en-US" b="1" dirty="0" smtClean="0"/>
+          </a:p>
+          <a:p>
+            <a:pPr marL="285750" lvl="1"/>
+            <a:r>
+              <a:rPr lang="en-US" dirty="0" smtClean="0"/>
+              <a:t>Calculations can be done with PC and </a:t>
+            </a:r>
+            <a:r>
+              <a:rPr lang="en-US" dirty="0"/>
+              <a:t>Optical Box </a:t>
+            </a:r>
+            <a:r>
+              <a:rPr lang="en-US" dirty="0" smtClean="0"/>
+              <a:t>together or within </a:t>
+            </a:r>
+            <a:r>
+              <a:rPr lang="en-US" dirty="0"/>
+              <a:t>Optical Box only </a:t>
+            </a:r>
+            <a:r>
+              <a:rPr lang="en-US" dirty="0" smtClean="0"/>
+              <a:t>using embedded discrete computer</a:t>
+            </a:r>
+            <a:endParaRPr lang="en-US" dirty="0"/>
+          </a:p>
+          <a:p>
+            <a:pPr marL="342900" lvl="1" indent="-342900"/>
+            <a:endParaRPr lang="en-US" dirty="0"/>
+          </a:p>
+          <a:p>
+            <a:pPr marL="342900" lvl="1" indent="-342900"/>
+            <a:endParaRPr lang="en-US" dirty="0"/>
+          </a:p>
+          <a:p>
+            <a:endParaRPr lang="ru-RU" dirty="0"/>
           </a:p>
         </p:txBody>
       </p:sp>
     </p:spTree>
     <p:extLst>
       <p:ext uri="{BB962C8B-B14F-4D97-AF65-F5344CB8AC3E}">
-        <p14:creationId xmlns:p14="http://schemas.microsoft.com/office/powerpoint/2010/main" val="3626306633"/>
+        <p14:creationId xmlns:p14="http://schemas.microsoft.com/office/powerpoint/2010/main" val="3456563418"/>
       </p:ext>
     </p:extLst>
   </p:cSld>
@@ -7087,8 +8047,12 @@
           <a:lstStyle/>
           <a:p>
             <a:r>
-              <a:rPr lang="en-US" dirty="0" smtClean="0"/>
-              <a:t>DLP Usage Notes</a:t>
+              <a:rPr lang="en-US" dirty="0"/>
+              <a:t>Optical Box Calibration </a:t>
+            </a:r>
+            <a:r>
+              <a:rPr lang="en-US" dirty="0" smtClean="0"/>
+              <a:t>Size</a:t>
             </a:r>
             <a:endParaRPr lang="ru-RU" dirty="0"/>
           </a:p>
@@ -7104,160 +8068,174 @@
             <p:ph idx="1"/>
           </p:nvPr>
         </p:nvSpPr>
-        <p:spPr>
-          <a:xfrm>
-            <a:off x="677334" y="1529543"/>
-            <a:ext cx="8596668" cy="4511820"/>
-          </a:xfrm>
-        </p:spPr>
+        <p:spPr/>
         <p:txBody>
           <a:bodyPr>
-            <a:normAutofit/>
+            <a:normAutofit fontScale="85000" lnSpcReduction="20000"/>
           </a:bodyPr>
           <a:lstStyle/>
           <a:p>
             <a:r>
-              <a:rPr lang="en-US" dirty="0" smtClean="0"/>
-              <a:t>Usual DLP chip micro-mirrors have 3-state (3 micro-mirror reflection angle)</a:t>
+              <a:rPr lang="en-US" dirty="0"/>
+              <a:t>Optical Box </a:t>
+            </a:r>
+            <a:r>
+              <a:rPr lang="en-US" dirty="0" smtClean="0"/>
+              <a:t>OUTPUT(X1</a:t>
+            </a:r>
+            <a:r>
+              <a:rPr lang="en-US" dirty="0"/>
+              <a:t>,…,Xn-1,X</a:t>
+            </a:r>
+            <a:r>
+              <a:rPr lang="en-US" dirty="0" smtClean="0"/>
+              <a:t>) define COUNT(X1</a:t>
+            </a:r>
+            <a:r>
+              <a:rPr lang="en-US" dirty="0"/>
+              <a:t>,…,</a:t>
+            </a:r>
+            <a:r>
+              <a:rPr lang="en-US" dirty="0" smtClean="0"/>
+              <a:t>Xn-1) functions like</a:t>
+            </a:r>
+          </a:p>
+          <a:p>
+            <a:pPr marL="0" indent="0" algn="ctr">
+              <a:buNone/>
+            </a:pPr>
+            <a:r>
+              <a:rPr lang="en-US" dirty="0" smtClean="0"/>
+              <a:t> G(X)=</a:t>
+            </a:r>
+            <a:r>
+              <a:rPr lang="en-US" dirty="0"/>
+              <a:t> OUTPUT(X1,…,Xn-1,X) </a:t>
+            </a:r>
+            <a:endParaRPr lang="en-US" dirty="0" smtClean="0"/>
+          </a:p>
+          <a:p>
+            <a:r>
+              <a:rPr lang="en-US" dirty="0" smtClean="0"/>
+              <a:t>Because RANG(X1</a:t>
+            </a:r>
+            <a:r>
+              <a:rPr lang="en-US" dirty="0"/>
+              <a:t>,…,Xn-1) </a:t>
+            </a:r>
+            <a:r>
+              <a:rPr lang="en-US" dirty="0" smtClean="0"/>
+              <a:t> &gt; RANG(X) </a:t>
+            </a:r>
+          </a:p>
+          <a:p>
+            <a:r>
+              <a:rPr lang="en-US" dirty="0" smtClean="0"/>
+              <a:t>Then not all functions like G(X</a:t>
+            </a:r>
+            <a:r>
+              <a:rPr lang="en-US" dirty="0"/>
+              <a:t>)= OUTPUT(X1,…,Xn-1,X</a:t>
+            </a:r>
+            <a:r>
+              <a:rPr lang="en-US" dirty="0" smtClean="0"/>
+              <a:t>) are linear</a:t>
+            </a:r>
+          </a:p>
+          <a:p>
+            <a:r>
+              <a:rPr lang="en-US" dirty="0" smtClean="0"/>
+              <a:t>But Optical Calculations with single lens in ideal conditions generate only linear transformations due EMW Composition Principle.</a:t>
+            </a:r>
+          </a:p>
+          <a:p>
+            <a:r>
+              <a:rPr lang="en-US" dirty="0" smtClean="0"/>
+              <a:t>Therefore </a:t>
+            </a:r>
+            <a:r>
+              <a:rPr lang="en-US" dirty="0"/>
+              <a:t>Calibration </a:t>
+            </a:r>
+            <a:r>
+              <a:rPr lang="en-US" dirty="0" smtClean="0"/>
+              <a:t>allow to remove non-linear distortion due non-ideal </a:t>
+            </a:r>
+            <a:r>
+              <a:rPr lang="en-US" dirty="0"/>
+              <a:t>conditions </a:t>
+            </a:r>
+            <a:r>
+              <a:rPr lang="en-US" dirty="0" smtClean="0"/>
+              <a:t>of </a:t>
+            </a:r>
+            <a:r>
+              <a:rPr lang="en-US" dirty="0"/>
+              <a:t>single lens </a:t>
+            </a:r>
+            <a:r>
+              <a:rPr lang="en-US" dirty="0" smtClean="0"/>
+              <a:t>transformation.</a:t>
             </a:r>
           </a:p>
           <a:p>
             <a:pPr lvl="1"/>
             <a:r>
               <a:rPr lang="en-US" dirty="0" smtClean="0"/>
-              <a:t>Parked</a:t>
+              <a:t>Non-ideal light</a:t>
+            </a:r>
+          </a:p>
+          <a:p>
+            <a:pPr lvl="2"/>
+            <a:r>
+              <a:rPr lang="en-US" dirty="0"/>
+              <a:t>Non-Monochrome</a:t>
+            </a:r>
+          </a:p>
+          <a:p>
+            <a:pPr lvl="2"/>
+            <a:r>
+              <a:rPr lang="en-US" dirty="0"/>
+              <a:t>Non-Polarized</a:t>
+            </a:r>
+          </a:p>
+          <a:p>
+            <a:pPr lvl="2"/>
+            <a:r>
+              <a:rPr lang="en-US" dirty="0"/>
+              <a:t>Many Independent </a:t>
+            </a:r>
+            <a:r>
+              <a:rPr lang="en-US" dirty="0" smtClean="0"/>
+              <a:t>Sources and </a:t>
+            </a:r>
+            <a:r>
+              <a:rPr lang="en-US" dirty="0"/>
+              <a:t>Additional </a:t>
+            </a:r>
+            <a:r>
+              <a:rPr lang="en-US" dirty="0" smtClean="0"/>
+              <a:t>Reflections </a:t>
             </a:r>
           </a:p>
           <a:p>
             <a:pPr lvl="1"/>
             <a:r>
               <a:rPr lang="en-US" dirty="0" smtClean="0"/>
-              <a:t>On or Off</a:t>
-            </a:r>
-          </a:p>
-          <a:p>
-            <a:pPr marL="342900" lvl="1" indent="-342900"/>
-            <a:r>
-              <a:rPr lang="en-US" dirty="0" smtClean="0"/>
-              <a:t>Technology to generate grayed image by fast switch between On and Off states used by video projectors is not applicable by Optical Computing.</a:t>
-            </a:r>
-          </a:p>
-          <a:p>
-            <a:pPr marL="342900" lvl="1" indent="-342900"/>
-            <a:r>
-              <a:rPr lang="en-US" dirty="0" smtClean="0"/>
-              <a:t>Solution Ways in case using </a:t>
+              <a:t>Non-ideal geometry and etc</a:t>
             </a:r>
             <a:r>
               <a:rPr lang="en-US" dirty="0"/>
-              <a:t>DLP chip </a:t>
-            </a:r>
-            <a:r>
-              <a:rPr lang="en-US" dirty="0" smtClean="0"/>
-              <a:t>of micro-mirrors with limited states is</a:t>
-            </a:r>
-          </a:p>
-          <a:p>
-            <a:pPr marL="742950" lvl="2" indent="-342900"/>
-            <a:r>
-              <a:rPr lang="en-US" dirty="0" smtClean="0"/>
-              <a:t>Do calculations with 1-bit numbers and apply iteration math algorithms to up precision</a:t>
-            </a:r>
-          </a:p>
-          <a:p>
-            <a:pPr marL="742950" lvl="2" indent="-342900"/>
-            <a:r>
-              <a:rPr lang="en-US" dirty="0" smtClean="0"/>
-              <a:t>Use group of micro-mirrors to generate gray color</a:t>
-            </a:r>
-          </a:p>
-          <a:p>
-            <a:pPr marL="342900" lvl="1" indent="-342900"/>
-            <a:r>
-              <a:rPr lang="en-US" dirty="0" smtClean="0"/>
-              <a:t>Another way to use </a:t>
-            </a:r>
-            <a:r>
-              <a:rPr lang="en-US" dirty="0"/>
-              <a:t>micro-mirrors </a:t>
-            </a:r>
-            <a:r>
-              <a:rPr lang="en-US" dirty="0" smtClean="0"/>
-              <a:t>with 3-state in binary mode in case of slow MIS is</a:t>
-            </a:r>
-          </a:p>
-          <a:p>
-            <a:pPr marL="742950" lvl="2" indent="-342900"/>
-            <a:r>
-              <a:rPr lang="en-US" dirty="0" smtClean="0"/>
-              <a:t>Transparent = Parked state</a:t>
-            </a:r>
-          </a:p>
-          <a:p>
-            <a:pPr marL="742950" lvl="2" indent="-342900"/>
-            <a:r>
-              <a:rPr lang="en-US" dirty="0" smtClean="0"/>
-              <a:t>Opaque = </a:t>
-            </a:r>
-            <a:r>
-              <a:rPr lang="en-US" dirty="0"/>
-              <a:t>fast </a:t>
-            </a:r>
-            <a:r>
-              <a:rPr lang="en-US" dirty="0" smtClean="0"/>
-              <a:t>random switch </a:t>
-            </a:r>
-            <a:r>
-              <a:rPr lang="en-US" dirty="0"/>
-              <a:t>between </a:t>
-            </a:r>
-            <a:r>
-              <a:rPr lang="en-US" dirty="0" smtClean="0"/>
-              <a:t>On </a:t>
-            </a:r>
-            <a:r>
-              <a:rPr lang="en-US" dirty="0"/>
-              <a:t>and Off </a:t>
-            </a:r>
-            <a:r>
-              <a:rPr lang="en-US" dirty="0" smtClean="0"/>
-              <a:t>states. </a:t>
-            </a:r>
-          </a:p>
-          <a:p>
-            <a:pPr marL="1200150" lvl="3" indent="-342900"/>
-            <a:r>
-              <a:rPr lang="en-US" dirty="0" smtClean="0"/>
-              <a:t>fast </a:t>
-            </a:r>
-            <a:r>
-              <a:rPr lang="en-US" dirty="0"/>
-              <a:t>random switch between </a:t>
-            </a:r>
-            <a:r>
-              <a:rPr lang="en-US" dirty="0" smtClean="0"/>
-              <a:t>two states will generate average energy picture caused random diffraction pictures cached by MIS </a:t>
-            </a:r>
-            <a:endParaRPr lang="en-US" dirty="0"/>
-          </a:p>
-          <a:p>
-            <a:pPr marL="742950" lvl="2" indent="-342900"/>
+              <a:t>.</a:t>
+            </a:r>
             <a:endParaRPr lang="en-US" dirty="0" smtClean="0"/>
-          </a:p>
-          <a:p>
-            <a:pPr marL="742950" lvl="2" indent="-342900"/>
-            <a:endParaRPr lang="en-US" dirty="0" smtClean="0"/>
-          </a:p>
-          <a:p>
-            <a:pPr marL="342900" lvl="1" indent="-342900"/>
-            <a:endParaRPr lang="ru-RU" dirty="0"/>
           </a:p>
         </p:txBody>
       </p:sp>
     </p:spTree>
     <p:extLst>
       <p:ext uri="{BB962C8B-B14F-4D97-AF65-F5344CB8AC3E}">
-        <p14:creationId xmlns:p14="http://schemas.microsoft.com/office/powerpoint/2010/main" val="3855303075"/>
+        <p14:creationId xmlns:p14="http://schemas.microsoft.com/office/powerpoint/2010/main" val="2045784094"/>
       </p:ext>
     </p:extLst>
   </p:cSld>
@@ -7301,6 +8279,558 @@
           <a:p>
             <a:r>
               <a:rPr lang="en-US" dirty="0" smtClean="0"/>
+              <a:t>Minimal Optical </a:t>
+            </a:r>
+            <a:r>
+              <a:rPr lang="en-US" dirty="0"/>
+              <a:t>Box Calibration Size</a:t>
+            </a:r>
+            <a:endParaRPr lang="ru-RU" dirty="0"/>
+          </a:p>
+        </p:txBody>
+      </p:sp>
+      <p:sp>
+        <p:nvSpPr>
+          <p:cNvPr id="3" name="Объект 2"/>
+          <p:cNvSpPr>
+            <a:spLocks noGrp="1"/>
+          </p:cNvSpPr>
+          <p:nvPr>
+            <p:ph idx="1"/>
+          </p:nvPr>
+        </p:nvSpPr>
+        <p:spPr/>
+        <p:txBody>
+          <a:bodyPr>
+            <a:normAutofit fontScale="92500" lnSpcReduction="20000"/>
+          </a:bodyPr>
+          <a:lstStyle/>
+          <a:p>
+            <a:r>
+              <a:rPr lang="en-US" dirty="0"/>
+              <a:t>Calibration allow to remove non-linear distortion due non-ideal conditions of single lens transformation</a:t>
+            </a:r>
+            <a:r>
+              <a:rPr lang="en-US" dirty="0" smtClean="0"/>
+              <a:t>.</a:t>
+            </a:r>
+          </a:p>
+          <a:p>
+            <a:pPr marL="342900" lvl="2" indent="-342900"/>
+            <a:r>
+              <a:rPr lang="en-US" sz="1800" dirty="0"/>
+              <a:t>The main distortion for Interference and Diffraction of light caused by Non-Polarized </a:t>
+            </a:r>
+            <a:r>
+              <a:rPr lang="en-US" sz="1800" dirty="0" smtClean="0"/>
+              <a:t>light. Some materials can change light polarization during light reflection or pass thru transparent material.</a:t>
+            </a:r>
+          </a:p>
+          <a:p>
+            <a:pPr marL="800100" lvl="3" indent="-342900"/>
+            <a:r>
+              <a:rPr lang="en-US" sz="1600" dirty="0" smtClean="0"/>
+              <a:t>EMW consists of Electric and Magnetic Parts</a:t>
+            </a:r>
+          </a:p>
+          <a:p>
+            <a:pPr marL="1257300" lvl="4" indent="-342900"/>
+            <a:r>
+              <a:rPr lang="en-US" sz="1600" dirty="0" smtClean="0"/>
+              <a:t>If light is Non-Polarized Electric(or Magnetic) Parts of two beams are not summarize as values but </a:t>
+            </a:r>
+            <a:r>
+              <a:rPr lang="en-US" sz="1600" dirty="0"/>
+              <a:t>summarize as </a:t>
+            </a:r>
+            <a:r>
+              <a:rPr lang="en-US" sz="1600" dirty="0" smtClean="0"/>
+              <a:t>direct vectors so light detector catch average power for all cells and do not recognize Interference/Diffraction picture of two beams of light.</a:t>
+            </a:r>
+          </a:p>
+          <a:p>
+            <a:pPr marL="800100" lvl="3" indent="-342900"/>
+            <a:r>
+              <a:rPr lang="en-US" sz="1600" dirty="0"/>
+              <a:t>Electric and Magnetic </a:t>
+            </a:r>
+            <a:r>
+              <a:rPr lang="en-US" sz="1600" dirty="0" smtClean="0"/>
+              <a:t>Parts of any </a:t>
+            </a:r>
+            <a:r>
+              <a:rPr lang="en-US" sz="1600" dirty="0"/>
+              <a:t>EMW </a:t>
+            </a:r>
+            <a:r>
+              <a:rPr lang="en-US" sz="1600" dirty="0" smtClean="0"/>
+              <a:t>can be present as complex number or as a pair of real numbers</a:t>
+            </a:r>
+          </a:p>
+          <a:p>
+            <a:pPr marL="342900" lvl="2" indent="-342900"/>
+            <a:r>
+              <a:rPr lang="en-US" sz="1800" dirty="0" smtClean="0"/>
+              <a:t>Calibration which can remove </a:t>
+            </a:r>
+            <a:r>
+              <a:rPr lang="en-US" sz="1800" dirty="0"/>
+              <a:t>distortion </a:t>
+            </a:r>
+            <a:r>
+              <a:rPr lang="en-US" sz="1800" dirty="0" smtClean="0"/>
+              <a:t>caused by </a:t>
+            </a:r>
+            <a:r>
+              <a:rPr lang="en-US" sz="1800" dirty="0"/>
+              <a:t>Non-Polarized</a:t>
+            </a:r>
+            <a:r>
+              <a:rPr lang="en-US" sz="1800" dirty="0" smtClean="0"/>
+              <a:t> </a:t>
+            </a:r>
+            <a:r>
+              <a:rPr lang="en-US" sz="1800" dirty="0"/>
+              <a:t>light </a:t>
+            </a:r>
+            <a:r>
+              <a:rPr lang="en-US" sz="1800" dirty="0" smtClean="0"/>
+              <a:t>must contains a </a:t>
+            </a:r>
+            <a:r>
+              <a:rPr lang="en-US" sz="1800" dirty="0"/>
+              <a:t>pair of real calibration values for </a:t>
+            </a:r>
+            <a:r>
+              <a:rPr lang="en-US" sz="1800" dirty="0" smtClean="0"/>
+              <a:t>any output amplitude value at point as real number.</a:t>
+            </a:r>
+            <a:endParaRPr lang="en-US" sz="1800" dirty="0"/>
+          </a:p>
+          <a:p>
+            <a:pPr marL="1257300" lvl="4" indent="-342900"/>
+            <a:endParaRPr lang="en-US" sz="1600" dirty="0"/>
+          </a:p>
+          <a:p>
+            <a:endParaRPr lang="en-US" dirty="0"/>
+          </a:p>
+          <a:p>
+            <a:endParaRPr lang="ru-RU" dirty="0"/>
+          </a:p>
+        </p:txBody>
+      </p:sp>
+    </p:spTree>
+    <p:extLst>
+      <p:ext uri="{BB962C8B-B14F-4D97-AF65-F5344CB8AC3E}">
+        <p14:creationId xmlns:p14="http://schemas.microsoft.com/office/powerpoint/2010/main" val="4000527115"/>
+      </p:ext>
+    </p:extLst>
+  </p:cSld>
+  <p:clrMapOvr>
+    <a:masterClrMapping/>
+  </p:clrMapOvr>
+</p:sld>
+</file>
+
+<file path=ppt/slides/slide17.xml><?xml version="1.0" encoding="utf-8"?>
+<p:sld xmlns:a="http://schemas.openxmlformats.org/drawingml/2006/main" xmlns:r="http://schemas.openxmlformats.org/officeDocument/2006/relationships" xmlns:p="http://schemas.openxmlformats.org/presentationml/2006/main">
+  <p:cSld>
+    <p:spTree>
+      <p:nvGrpSpPr>
+        <p:cNvPr id="1" name=""/>
+        <p:cNvGrpSpPr/>
+        <p:nvPr/>
+      </p:nvGrpSpPr>
+      <p:grpSpPr>
+        <a:xfrm>
+          <a:off x="0" y="0"/>
+          <a:ext cx="0" cy="0"/>
+          <a:chOff x="0" y="0"/>
+          <a:chExt cx="0" cy="0"/>
+        </a:xfrm>
+      </p:grpSpPr>
+      <p:sp>
+        <p:nvSpPr>
+          <p:cNvPr id="2" name="Заголовок 1"/>
+          <p:cNvSpPr>
+            <a:spLocks noGrp="1"/>
+          </p:cNvSpPr>
+          <p:nvPr>
+            <p:ph type="title"/>
+          </p:nvPr>
+        </p:nvSpPr>
+        <p:spPr/>
+        <p:txBody>
+          <a:bodyPr/>
+          <a:lstStyle/>
+          <a:p>
+            <a:r>
+              <a:rPr lang="en-US" dirty="0"/>
+              <a:t>Optical Box Calculations </a:t>
+            </a:r>
+            <a:r>
+              <a:rPr lang="en-US" dirty="0" smtClean="0"/>
+              <a:t>Precision</a:t>
+            </a:r>
+            <a:endParaRPr lang="ru-RU" dirty="0"/>
+          </a:p>
+        </p:txBody>
+      </p:sp>
+      <p:sp>
+        <p:nvSpPr>
+          <p:cNvPr id="3" name="Объект 2"/>
+          <p:cNvSpPr>
+            <a:spLocks noGrp="1"/>
+          </p:cNvSpPr>
+          <p:nvPr>
+            <p:ph idx="1"/>
+          </p:nvPr>
+        </p:nvSpPr>
+        <p:spPr/>
+        <p:txBody>
+          <a:bodyPr/>
+          <a:lstStyle/>
+          <a:p>
+            <a:r>
+              <a:rPr lang="en-US" dirty="0" smtClean="0"/>
+              <a:t>Fact</a:t>
+            </a:r>
+          </a:p>
+          <a:p>
+            <a:pPr lvl="1"/>
+            <a:r>
+              <a:rPr lang="en-US" dirty="0" smtClean="0"/>
+              <a:t>Calculation with using optics </a:t>
+            </a:r>
+            <a:r>
+              <a:rPr lang="en-US" dirty="0"/>
+              <a:t>calculations </a:t>
+            </a:r>
+            <a:r>
+              <a:rPr lang="en-US" dirty="0" smtClean="0"/>
+              <a:t>gives rough results</a:t>
+            </a:r>
+          </a:p>
+          <a:p>
+            <a:r>
+              <a:rPr lang="en-US" dirty="0" smtClean="0"/>
+              <a:t>Solution Ways</a:t>
+            </a:r>
+          </a:p>
+          <a:p>
+            <a:pPr lvl="1"/>
+            <a:r>
+              <a:rPr lang="en-US" dirty="0" smtClean="0"/>
+              <a:t>Same algorithms like sorting, brute force, branch-and-bounds and etc. do not need precision for all </a:t>
+            </a:r>
+            <a:r>
+              <a:rPr lang="en-US" dirty="0"/>
+              <a:t>results </a:t>
+            </a:r>
+            <a:r>
+              <a:rPr lang="en-US" dirty="0" smtClean="0"/>
+              <a:t>but selected only. Selected </a:t>
+            </a:r>
+            <a:r>
+              <a:rPr lang="en-US" dirty="0"/>
+              <a:t>results </a:t>
+            </a:r>
+            <a:r>
+              <a:rPr lang="en-US" dirty="0" smtClean="0"/>
+              <a:t>can by calculated traditional way.</a:t>
+            </a:r>
+          </a:p>
+          <a:p>
+            <a:pPr lvl="1"/>
+            <a:r>
+              <a:rPr lang="en-US" dirty="0" smtClean="0"/>
+              <a:t>There are many step-by-step math iteration algorithms exists to up </a:t>
+            </a:r>
+            <a:r>
+              <a:rPr lang="en-US" dirty="0"/>
+              <a:t>precision </a:t>
+            </a:r>
+            <a:r>
+              <a:rPr lang="en-US" dirty="0" smtClean="0"/>
+              <a:t>as needed</a:t>
+            </a:r>
+          </a:p>
+          <a:p>
+            <a:r>
+              <a:rPr lang="en-US" dirty="0" smtClean="0"/>
+              <a:t>Conclusion</a:t>
+            </a:r>
+          </a:p>
+          <a:p>
+            <a:pPr lvl="1"/>
+            <a:r>
+              <a:rPr lang="en-US" sz="2400" dirty="0" smtClean="0"/>
+              <a:t>Rough results can by used effectively </a:t>
+            </a:r>
+            <a:endParaRPr lang="ru-RU" sz="2400" dirty="0"/>
+          </a:p>
+        </p:txBody>
+      </p:sp>
+    </p:spTree>
+    <p:extLst>
+      <p:ext uri="{BB962C8B-B14F-4D97-AF65-F5344CB8AC3E}">
+        <p14:creationId xmlns:p14="http://schemas.microsoft.com/office/powerpoint/2010/main" val="3626306633"/>
+      </p:ext>
+    </p:extLst>
+  </p:cSld>
+  <p:clrMapOvr>
+    <a:masterClrMapping/>
+  </p:clrMapOvr>
+</p:sld>
+</file>
+
+<file path=ppt/slides/slide18.xml><?xml version="1.0" encoding="utf-8"?>
+<p:sld xmlns:a="http://schemas.openxmlformats.org/drawingml/2006/main" xmlns:r="http://schemas.openxmlformats.org/officeDocument/2006/relationships" xmlns:p="http://schemas.openxmlformats.org/presentationml/2006/main">
+  <p:cSld>
+    <p:spTree>
+      <p:nvGrpSpPr>
+        <p:cNvPr id="1" name=""/>
+        <p:cNvGrpSpPr/>
+        <p:nvPr/>
+      </p:nvGrpSpPr>
+      <p:grpSpPr>
+        <a:xfrm>
+          <a:off x="0" y="0"/>
+          <a:ext cx="0" cy="0"/>
+          <a:chOff x="0" y="0"/>
+          <a:chExt cx="0" cy="0"/>
+        </a:xfrm>
+      </p:grpSpPr>
+      <p:sp>
+        <p:nvSpPr>
+          <p:cNvPr id="2" name="Заголовок 1"/>
+          <p:cNvSpPr>
+            <a:spLocks noGrp="1"/>
+          </p:cNvSpPr>
+          <p:nvPr>
+            <p:ph type="title"/>
+          </p:nvPr>
+        </p:nvSpPr>
+        <p:spPr/>
+        <p:txBody>
+          <a:bodyPr/>
+          <a:lstStyle/>
+          <a:p>
+            <a:r>
+              <a:rPr lang="en-US" dirty="0" smtClean="0"/>
+              <a:t>DLP Usage Notes</a:t>
+            </a:r>
+            <a:endParaRPr lang="ru-RU" dirty="0"/>
+          </a:p>
+        </p:txBody>
+      </p:sp>
+      <p:sp>
+        <p:nvSpPr>
+          <p:cNvPr id="3" name="Объект 2"/>
+          <p:cNvSpPr>
+            <a:spLocks noGrp="1"/>
+          </p:cNvSpPr>
+          <p:nvPr>
+            <p:ph idx="1"/>
+          </p:nvPr>
+        </p:nvSpPr>
+        <p:spPr>
+          <a:xfrm>
+            <a:off x="677334" y="1529543"/>
+            <a:ext cx="8596668" cy="4511820"/>
+          </a:xfrm>
+        </p:spPr>
+        <p:txBody>
+          <a:bodyPr>
+            <a:normAutofit/>
+          </a:bodyPr>
+          <a:lstStyle/>
+          <a:p>
+            <a:r>
+              <a:rPr lang="en-US" dirty="0" smtClean="0"/>
+              <a:t>Usual DLP chip micro-mirrors have 3-state (3 micro-mirror reflection angle)</a:t>
+            </a:r>
+          </a:p>
+          <a:p>
+            <a:pPr lvl="1"/>
+            <a:r>
+              <a:rPr lang="en-US" dirty="0" smtClean="0"/>
+              <a:t>Parked</a:t>
+            </a:r>
+          </a:p>
+          <a:p>
+            <a:pPr lvl="1"/>
+            <a:r>
+              <a:rPr lang="en-US" dirty="0" smtClean="0"/>
+              <a:t>On or Off</a:t>
+            </a:r>
+          </a:p>
+          <a:p>
+            <a:pPr marL="342900" lvl="1" indent="-342900"/>
+            <a:r>
+              <a:rPr lang="en-US" dirty="0" smtClean="0"/>
+              <a:t>Technology to generate grayed image by fast switch between On and Off states used by video projectors is not applicable by Optical Computing.</a:t>
+            </a:r>
+          </a:p>
+          <a:p>
+            <a:pPr marL="342900" lvl="1" indent="-342900"/>
+            <a:r>
+              <a:rPr lang="en-US" dirty="0" smtClean="0"/>
+              <a:t>Solution Ways in case using </a:t>
+            </a:r>
+            <a:r>
+              <a:rPr lang="en-US" dirty="0"/>
+              <a:t>DLP chip </a:t>
+            </a:r>
+            <a:r>
+              <a:rPr lang="en-US" dirty="0" smtClean="0"/>
+              <a:t>of micro-mirrors with limited states is</a:t>
+            </a:r>
+          </a:p>
+          <a:p>
+            <a:pPr marL="742950" lvl="2" indent="-342900"/>
+            <a:r>
+              <a:rPr lang="en-US" dirty="0" smtClean="0"/>
+              <a:t>Do calculations with 1-bit numbers and apply iteration math algorithms to up precision</a:t>
+            </a:r>
+          </a:p>
+          <a:p>
+            <a:pPr marL="742950" lvl="2" indent="-342900"/>
+            <a:r>
+              <a:rPr lang="en-US" dirty="0" smtClean="0"/>
+              <a:t>Use group of micro-mirrors to generate gray color</a:t>
+            </a:r>
+          </a:p>
+          <a:p>
+            <a:pPr marL="342900" lvl="1" indent="-342900"/>
+            <a:r>
+              <a:rPr lang="en-US" dirty="0" smtClean="0"/>
+              <a:t>Another way to use </a:t>
+            </a:r>
+            <a:r>
+              <a:rPr lang="en-US" dirty="0"/>
+              <a:t>micro-mirrors </a:t>
+            </a:r>
+            <a:r>
+              <a:rPr lang="en-US" dirty="0" smtClean="0"/>
+              <a:t>with 3-state in binary mode in case of slow MIS is</a:t>
+            </a:r>
+          </a:p>
+          <a:p>
+            <a:pPr marL="742950" lvl="2" indent="-342900"/>
+            <a:r>
+              <a:rPr lang="en-US" dirty="0" smtClean="0"/>
+              <a:t>Transparent = Parked state</a:t>
+            </a:r>
+          </a:p>
+          <a:p>
+            <a:pPr marL="742950" lvl="2" indent="-342900"/>
+            <a:r>
+              <a:rPr lang="en-US" dirty="0" smtClean="0"/>
+              <a:t>Opaque = </a:t>
+            </a:r>
+            <a:r>
+              <a:rPr lang="en-US" dirty="0"/>
+              <a:t>fast </a:t>
+            </a:r>
+            <a:r>
+              <a:rPr lang="en-US" dirty="0" smtClean="0"/>
+              <a:t>random switch </a:t>
+            </a:r>
+            <a:r>
+              <a:rPr lang="en-US" dirty="0"/>
+              <a:t>between </a:t>
+            </a:r>
+            <a:r>
+              <a:rPr lang="en-US" dirty="0" smtClean="0"/>
+              <a:t>On </a:t>
+            </a:r>
+            <a:r>
+              <a:rPr lang="en-US" dirty="0"/>
+              <a:t>and Off </a:t>
+            </a:r>
+            <a:r>
+              <a:rPr lang="en-US" dirty="0" smtClean="0"/>
+              <a:t>states. </a:t>
+            </a:r>
+          </a:p>
+          <a:p>
+            <a:pPr marL="1200150" lvl="3" indent="-342900"/>
+            <a:r>
+              <a:rPr lang="en-US" dirty="0" smtClean="0"/>
+              <a:t>fast </a:t>
+            </a:r>
+            <a:r>
+              <a:rPr lang="en-US" dirty="0"/>
+              <a:t>random switch between </a:t>
+            </a:r>
+            <a:r>
+              <a:rPr lang="en-US" dirty="0" smtClean="0"/>
+              <a:t>two states will generate average energy picture caused random diffraction pictures cached by MIS </a:t>
+            </a:r>
+            <a:endParaRPr lang="en-US" dirty="0"/>
+          </a:p>
+          <a:p>
+            <a:pPr marL="742950" lvl="2" indent="-342900"/>
+            <a:endParaRPr lang="en-US" dirty="0" smtClean="0"/>
+          </a:p>
+          <a:p>
+            <a:pPr marL="742950" lvl="2" indent="-342900"/>
+            <a:endParaRPr lang="en-US" dirty="0" smtClean="0"/>
+          </a:p>
+          <a:p>
+            <a:pPr marL="342900" lvl="1" indent="-342900"/>
+            <a:endParaRPr lang="ru-RU" dirty="0"/>
+          </a:p>
+        </p:txBody>
+      </p:sp>
+    </p:spTree>
+    <p:extLst>
+      <p:ext uri="{BB962C8B-B14F-4D97-AF65-F5344CB8AC3E}">
+        <p14:creationId xmlns:p14="http://schemas.microsoft.com/office/powerpoint/2010/main" val="3855303075"/>
+      </p:ext>
+    </p:extLst>
+  </p:cSld>
+  <p:clrMapOvr>
+    <a:masterClrMapping/>
+  </p:clrMapOvr>
+</p:sld>
+</file>
+
+<file path=ppt/slides/slide19.xml><?xml version="1.0" encoding="utf-8"?>
+<p:sld xmlns:a="http://schemas.openxmlformats.org/drawingml/2006/main" xmlns:r="http://schemas.openxmlformats.org/officeDocument/2006/relationships" xmlns:p="http://schemas.openxmlformats.org/presentationml/2006/main">
+  <p:cSld>
+    <p:spTree>
+      <p:nvGrpSpPr>
+        <p:cNvPr id="1" name=""/>
+        <p:cNvGrpSpPr/>
+        <p:nvPr/>
+      </p:nvGrpSpPr>
+      <p:grpSpPr>
+        <a:xfrm>
+          <a:off x="0" y="0"/>
+          <a:ext cx="0" cy="0"/>
+          <a:chOff x="0" y="0"/>
+          <a:chExt cx="0" cy="0"/>
+        </a:xfrm>
+      </p:grpSpPr>
+      <p:sp>
+        <p:nvSpPr>
+          <p:cNvPr id="2" name="Заголовок 1"/>
+          <p:cNvSpPr>
+            <a:spLocks noGrp="1"/>
+          </p:cNvSpPr>
+          <p:nvPr>
+            <p:ph type="title"/>
+          </p:nvPr>
+        </p:nvSpPr>
+        <p:spPr/>
+        <p:txBody>
+          <a:bodyPr/>
+          <a:lstStyle/>
+          <a:p>
+            <a:r>
+              <a:rPr lang="en-US" dirty="0" smtClean="0"/>
               <a:t>Thank You</a:t>
             </a:r>
             <a:endParaRPr lang="ru-RU" dirty="0"/>
@@ -7421,7 +8951,7 @@
           <a:p>
             <a:fld id="{C0AF4200-06F9-4C00-BF67-F73768F696CA}" type="slidenum">
               <a:rPr lang="ru-RU" smtClean="0"/>
-              <a:t>16</a:t>
+              <a:t>19</a:t>
             </a:fld>
             <a:endParaRPr lang="ru-RU"/>
           </a:p>
@@ -7958,23 +9488,7 @@
           <a:p>
             <a:r>
               <a:rPr lang="en-US" dirty="0" smtClean="0"/>
-              <a:t>Chips of LD, DLPs and MIS are mount on one side of a Circuit Board in row with equal step. LD and MIP </a:t>
-            </a:r>
-            <a:r>
-              <a:rPr lang="en-US" dirty="0" smtClean="0"/>
-              <a:t>are placed </a:t>
-            </a:r>
-            <a:r>
-              <a:rPr lang="en-US" dirty="0" smtClean="0"/>
-              <a:t>at left and right DLPs </a:t>
-            </a:r>
-            <a:r>
-              <a:rPr lang="en-US" dirty="0" smtClean="0"/>
-              <a:t>are placed in </a:t>
-            </a:r>
-            <a:r>
-              <a:rPr lang="en-US" dirty="0" smtClean="0"/>
-              <a:t>the middle.</a:t>
+              <a:t>Chips of LD, DLPs and MIS are mount on one side of a Circuit Board in row with equal step. LD and MIP are placed at left and right DLPs are placed in the middle.</a:t>
             </a:r>
           </a:p>
           <a:p>
@@ -7986,11 +9500,7 @@
           <a:p>
             <a:r>
               <a:rPr lang="en-US" dirty="0" smtClean="0"/>
-              <a:t>At another side of the Frame placed a Film with printed </a:t>
-            </a:r>
-            <a:r>
-              <a:rPr lang="en-US" dirty="0" smtClean="0"/>
-              <a:t>FZPs, a Polarizing </a:t>
+              <a:t>At another side of the Frame placed a Film with printed FZPs, a Polarizing </a:t>
             </a:r>
             <a:r>
               <a:rPr lang="en-US" dirty="0"/>
@@ -8004,23 +9514,7 @@
           <a:p>
             <a:r>
               <a:rPr lang="en-US" dirty="0" smtClean="0"/>
-              <a:t>Sizes </a:t>
-            </a:r>
-            <a:r>
-              <a:rPr lang="en-US" dirty="0" smtClean="0"/>
-              <a:t>of </a:t>
-            </a:r>
-            <a:r>
-              <a:rPr lang="en-US" dirty="0" smtClean="0"/>
-              <a:t>the</a:t>
-            </a:r>
-            <a:r>
-              <a:rPr lang="en-US" dirty="0" smtClean="0"/>
-              <a:t> Circuit </a:t>
-            </a:r>
-            <a:r>
-              <a:rPr lang="en-US" dirty="0" smtClean="0"/>
-              <a:t>Board, </a:t>
+              <a:t>Sizes of the Circuit Board, </a:t>
             </a:r>
             <a:r>
               <a:rPr lang="en-US" dirty="0"/>
@@ -8060,11 +9554,7 @@
             </a:r>
             <a:r>
               <a:rPr lang="en-US" dirty="0" smtClean="0"/>
-              <a:t>Mirror </a:t>
-            </a:r>
-            <a:r>
-              <a:rPr lang="en-US" dirty="0" smtClean="0"/>
-              <a:t>are equal</a:t>
+              <a:t>Mirror are equal</a:t>
             </a:r>
           </a:p>
           <a:p>
@@ -8078,17 +9568,8 @@
             </a:r>
             <a:r>
               <a:rPr lang="en-US" dirty="0" smtClean="0"/>
-              <a:t>is equal a number of </a:t>
-            </a:r>
-            <a:r>
-              <a:rPr lang="en-US" dirty="0" smtClean="0"/>
-              <a:t>DLPs plus two half-sized </a:t>
-            </a:r>
-            <a:r>
-              <a:rPr lang="en-US" dirty="0" smtClean="0"/>
-              <a:t>FZPs for LD and MIS</a:t>
-            </a:r>
-            <a:endParaRPr lang="en-US" dirty="0" smtClean="0"/>
+              <a:t>is equal a number of DLPs plus two half-sized FZPs for LD and MIS</a:t>
+            </a:r>
           </a:p>
           <a:p>
             <a:r>
@@ -8119,11 +9600,7 @@
           <a:p>
             <a:r>
               <a:rPr lang="en-US" dirty="0" smtClean="0"/>
-              <a:t>DLP or MIS can be combined from number of </a:t>
-            </a:r>
-            <a:r>
-              <a:rPr lang="en-US" dirty="0" smtClean="0"/>
-              <a:t>chips</a:t>
+              <a:t>DLP or MIS can be combined from number of chips</a:t>
             </a:r>
           </a:p>
           <a:p>
@@ -8131,7 +9608,6 @@
               <a:rPr lang="en-US" dirty="0" smtClean="0"/>
               <a:t>Some DLP can be replaced by mirrors to reduce number of DLP chips</a:t>
             </a:r>
-            <a:endParaRPr lang="en-US" dirty="0" smtClean="0"/>
           </a:p>
           <a:p>
             <a:endParaRPr lang="ru-RU" dirty="0"/>
@@ -8321,214 +9797,546 @@
       </p:grpSpPr>
       <p:sp>
         <p:nvSpPr>
-          <p:cNvPr id="2" name="Заголовок 1"/>
-          <p:cNvSpPr>
-            <a:spLocks noGrp="1"/>
-          </p:cNvSpPr>
-          <p:nvPr>
-            <p:ph type="title"/>
-          </p:nvPr>
-        </p:nvSpPr>
-        <p:spPr/>
-        <p:txBody>
-          <a:bodyPr/>
-          <a:lstStyle/>
-          <a:p>
-            <a:r>
-              <a:rPr lang="en-US" dirty="0"/>
-              <a:t>Optical Box </a:t>
-            </a:r>
-            <a:r>
-              <a:rPr lang="en-US" dirty="0" smtClean="0"/>
-              <a:t>Math</a:t>
-            </a:r>
-            <a:endParaRPr lang="ru-RU" dirty="0"/>
-          </a:p>
-        </p:txBody>
-      </p:sp>
-      <p:sp>
-        <p:nvSpPr>
-          <p:cNvPr id="3" name="Объект 2"/>
-          <p:cNvSpPr>
-            <a:spLocks noGrp="1"/>
-          </p:cNvSpPr>
-          <p:nvPr>
-            <p:ph idx="1"/>
-          </p:nvPr>
+          <p:cNvPr id="22" name="Блок-схема: процесс 21"/>
+          <p:cNvSpPr/>
+          <p:nvPr/>
         </p:nvSpPr>
         <p:spPr>
           <a:xfrm>
-            <a:off x="677334" y="1787237"/>
-            <a:ext cx="8596668" cy="4254126"/>
+            <a:off x="798022" y="3100647"/>
+            <a:ext cx="6068291" cy="3158837"/>
+          </a:xfrm>
+          <a:prstGeom prst="flowChartProcess">
+            <a:avLst/>
+          </a:prstGeom>
+        </p:spPr>
+        <p:style>
+          <a:lnRef idx="2">
+            <a:schemeClr val="accent1">
+              <a:shade val="50000"/>
+            </a:schemeClr>
+          </a:lnRef>
+          <a:fillRef idx="1">
+            <a:schemeClr val="accent1"/>
+          </a:fillRef>
+          <a:effectRef idx="0">
+            <a:schemeClr val="accent1"/>
+          </a:effectRef>
+          <a:fontRef idx="minor">
+            <a:schemeClr val="lt1"/>
+          </a:fontRef>
+        </p:style>
+        <p:txBody>
+          <a:bodyPr rtlCol="0" anchor="ctr"/>
+          <a:lstStyle/>
+          <a:p>
+            <a:pPr algn="ctr"/>
+            <a:endParaRPr lang="ru-RU"/>
+          </a:p>
+        </p:txBody>
+      </p:sp>
+      <p:sp>
+        <p:nvSpPr>
+          <p:cNvPr id="2" name="Заголовок 1"/>
+          <p:cNvSpPr>
+            <a:spLocks noGrp="1"/>
+          </p:cNvSpPr>
+          <p:nvPr>
+            <p:ph type="title"/>
+          </p:nvPr>
+        </p:nvSpPr>
+        <p:spPr/>
+        <p:txBody>
+          <a:bodyPr/>
+          <a:lstStyle/>
+          <a:p>
+            <a:r>
+              <a:rPr lang="en-US" dirty="0" smtClean="0"/>
+              <a:t>Embedded Hardware Architecture</a:t>
+            </a:r>
+            <a:endParaRPr lang="ru-RU" dirty="0"/>
+          </a:p>
+        </p:txBody>
+      </p:sp>
+      <p:pic>
+        <p:nvPicPr>
+          <p:cNvPr id="6" name="Объект 5"/>
+          <p:cNvPicPr>
+            <a:picLocks noGrp="1" noChangeAspect="1"/>
+          </p:cNvPicPr>
+          <p:nvPr>
+            <p:ph idx="1"/>
+          </p:nvPr>
+        </p:nvPicPr>
+        <p:blipFill>
+          <a:blip r:embed="rId2" cstate="print">
+            <a:extLst>
+              <a:ext uri="{28A0092B-C50C-407E-A947-70E740481C1C}">
+                <a14:useLocalDpi xmlns:a14="http://schemas.microsoft.com/office/drawing/2010/main" val="0"/>
+              </a:ext>
+            </a:extLst>
+          </a:blip>
+          <a:stretch>
+            <a:fillRect/>
+          </a:stretch>
+        </p:blipFill>
+        <p:spPr>
+          <a:xfrm>
+            <a:off x="7025602" y="3422272"/>
+            <a:ext cx="1331057" cy="940059"/>
           </a:xfrm>
         </p:spPr>
-        <p:txBody>
-          <a:bodyPr>
-            <a:normAutofit/>
-          </a:bodyPr>
-          <a:lstStyle/>
-          <a:p>
-            <a:r>
-              <a:rPr lang="en-US" dirty="0"/>
-              <a:t>Optical Box Design do </a:t>
-            </a:r>
-            <a:r>
-              <a:rPr lang="en-US" dirty="0" smtClean="0"/>
-              <a:t>parallel math calculations of signals on DLP</a:t>
-            </a:r>
-          </a:p>
-          <a:p>
-            <a:r>
-              <a:rPr lang="en-US" dirty="0"/>
-              <a:t>Optical Box </a:t>
-            </a:r>
-            <a:r>
-              <a:rPr lang="en-US" dirty="0" smtClean="0"/>
-              <a:t>Design do not calculate Fourier </a:t>
-            </a:r>
-            <a:r>
-              <a:rPr lang="en-US" dirty="0"/>
-              <a:t>transforming </a:t>
-            </a:r>
-            <a:endParaRPr lang="en-US" dirty="0" smtClean="0"/>
-          </a:p>
-          <a:p>
-            <a:r>
-              <a:rPr lang="en-US" dirty="0"/>
-              <a:t>Optical Box Design do </a:t>
-            </a:r>
-            <a:r>
-              <a:rPr lang="en-US" dirty="0" smtClean="0"/>
-              <a:t>calculate Some (Unknown, depended from device implementation) Matrix Multiplication transforming </a:t>
-            </a:r>
-            <a:r>
-              <a:rPr lang="en-US" dirty="0"/>
-              <a:t>of signals on each FZP </a:t>
-            </a:r>
-            <a:endParaRPr lang="en-US" dirty="0" smtClean="0"/>
-          </a:p>
-          <a:p>
-            <a:r>
-              <a:rPr lang="en-US" dirty="0" smtClean="0"/>
-              <a:t>Because </a:t>
-            </a:r>
-            <a:r>
-              <a:rPr lang="en-US" dirty="0"/>
-              <a:t>Optical Box Design has </a:t>
-            </a:r>
-            <a:r>
-              <a:rPr lang="en-US" dirty="0" smtClean="0"/>
-              <a:t>more then two DLP</a:t>
-            </a:r>
-          </a:p>
-          <a:p>
-            <a:pPr lvl="1"/>
-            <a:r>
-              <a:rPr lang="en-US" dirty="0" smtClean="0"/>
-              <a:t>Reverse of Unknown Matrix </a:t>
-            </a:r>
-          </a:p>
-          <a:p>
-            <a:pPr lvl="2"/>
-            <a:r>
-              <a:rPr lang="en-US" dirty="0" smtClean="0"/>
-              <a:t>Can be calculated by experiments (during Optical </a:t>
-            </a:r>
-            <a:r>
-              <a:rPr lang="en-US" dirty="0"/>
-              <a:t>Box </a:t>
-            </a:r>
-            <a:r>
-              <a:rPr lang="en-US" dirty="0" smtClean="0"/>
-              <a:t>Calibration)</a:t>
-            </a:r>
-          </a:p>
-          <a:p>
-            <a:pPr lvl="2"/>
-            <a:r>
-              <a:rPr lang="en-US" dirty="0" smtClean="0"/>
-              <a:t>Can be saved for future use in embedded memory of </a:t>
-            </a:r>
-            <a:r>
-              <a:rPr lang="en-US" dirty="0"/>
-              <a:t>Optical Box </a:t>
-            </a:r>
-            <a:endParaRPr lang="en-US" dirty="0" smtClean="0"/>
-          </a:p>
-          <a:p>
-            <a:pPr lvl="2"/>
-            <a:r>
-              <a:rPr lang="en-US" dirty="0" smtClean="0"/>
-              <a:t>Can be used for </a:t>
-            </a:r>
-            <a:r>
-              <a:rPr lang="en-US" dirty="0"/>
-              <a:t>calculation needed </a:t>
-            </a:r>
-            <a:endParaRPr lang="en-US" dirty="0" smtClean="0"/>
-          </a:p>
-          <a:p>
-            <a:pPr lvl="1"/>
-            <a:r>
-              <a:rPr lang="en-US" dirty="0" smtClean="0"/>
-              <a:t>One DLP (if light is high polarized) or two DLP </a:t>
-            </a:r>
-            <a:r>
-              <a:rPr lang="en-US" dirty="0"/>
-              <a:t>(if light is </a:t>
-            </a:r>
-            <a:r>
-              <a:rPr lang="en-US" dirty="0" smtClean="0"/>
-              <a:t>low polarized</a:t>
-            </a:r>
-            <a:r>
-              <a:rPr lang="en-US" dirty="0"/>
-              <a:t>)</a:t>
-            </a:r>
-            <a:r>
-              <a:rPr lang="en-US" dirty="0" smtClean="0"/>
-              <a:t> can be used to correct total matrix production for </a:t>
-            </a:r>
-            <a:r>
-              <a:rPr lang="en-US" dirty="0"/>
-              <a:t>calculation </a:t>
-            </a:r>
-            <a:r>
-              <a:rPr lang="en-US" dirty="0" smtClean="0"/>
-              <a:t>needed like </a:t>
-            </a:r>
-            <a:r>
-              <a:rPr lang="en-US" dirty="0"/>
-              <a:t>Fourier </a:t>
-            </a:r>
-            <a:r>
-              <a:rPr lang="en-US" dirty="0" smtClean="0"/>
-              <a:t>transforming,</a:t>
-            </a:r>
-            <a:r>
-              <a:rPr lang="en-US" dirty="0"/>
-              <a:t> Walsh-</a:t>
-            </a:r>
-            <a:r>
-              <a:rPr lang="en-US" dirty="0" err="1"/>
-              <a:t>Hadamar</a:t>
-            </a:r>
-            <a:r>
-              <a:rPr lang="en-US" dirty="0"/>
-              <a:t> </a:t>
-            </a:r>
-            <a:r>
-              <a:rPr lang="en-US" dirty="0" smtClean="0"/>
-              <a:t>transforming and etc.</a:t>
+      </p:pic>
+      <p:sp>
+        <p:nvSpPr>
+          <p:cNvPr id="5" name="Двойная стрелка влево/вправо 4"/>
+          <p:cNvSpPr/>
+          <p:nvPr/>
+        </p:nvSpPr>
+        <p:spPr>
+          <a:xfrm>
+            <a:off x="775115" y="2339010"/>
+            <a:ext cx="10321964" cy="548640"/>
+          </a:xfrm>
+          <a:prstGeom prst="leftRightArrow">
+            <a:avLst/>
+          </a:prstGeom>
+        </p:spPr>
+        <p:style>
+          <a:lnRef idx="2">
+            <a:schemeClr val="accent1">
+              <a:shade val="50000"/>
+            </a:schemeClr>
+          </a:lnRef>
+          <a:fillRef idx="1">
+            <a:schemeClr val="accent1"/>
+          </a:fillRef>
+          <a:effectRef idx="0">
+            <a:schemeClr val="accent1"/>
+          </a:effectRef>
+          <a:fontRef idx="minor">
+            <a:schemeClr val="lt1"/>
+          </a:fontRef>
+        </p:style>
+        <p:txBody>
+          <a:bodyPr rtlCol="0" anchor="ctr"/>
+          <a:lstStyle/>
+          <a:p>
+            <a:pPr algn="ctr"/>
+            <a:r>
+              <a:rPr lang="en-US" dirty="0" smtClean="0"/>
+              <a:t>Ethernet</a:t>
             </a:r>
             <a:endParaRPr lang="ru-RU" dirty="0"/>
           </a:p>
         </p:txBody>
       </p:sp>
+      <p:pic>
+        <p:nvPicPr>
+          <p:cNvPr id="7" name="Объект 5"/>
+          <p:cNvPicPr>
+            <a:picLocks noChangeAspect="1"/>
+          </p:cNvPicPr>
+          <p:nvPr/>
+        </p:nvPicPr>
+        <p:blipFill>
+          <a:blip r:embed="rId2" cstate="print">
+            <a:extLst>
+              <a:ext uri="{28A0092B-C50C-407E-A947-70E740481C1C}">
+                <a14:useLocalDpi xmlns:a14="http://schemas.microsoft.com/office/drawing/2010/main" val="0"/>
+              </a:ext>
+            </a:extLst>
+          </a:blip>
+          <a:stretch>
+            <a:fillRect/>
+          </a:stretch>
+        </p:blipFill>
+        <p:spPr>
+          <a:xfrm>
+            <a:off x="8434965" y="3422271"/>
+            <a:ext cx="1331057" cy="940059"/>
+          </a:xfrm>
+          <a:prstGeom prst="rect">
+            <a:avLst/>
+          </a:prstGeom>
+        </p:spPr>
+      </p:pic>
+      <p:pic>
+        <p:nvPicPr>
+          <p:cNvPr id="8" name="Объект 5"/>
+          <p:cNvPicPr>
+            <a:picLocks noChangeAspect="1"/>
+          </p:cNvPicPr>
+          <p:nvPr/>
+        </p:nvPicPr>
+        <p:blipFill>
+          <a:blip r:embed="rId2" cstate="print">
+            <a:extLst>
+              <a:ext uri="{28A0092B-C50C-407E-A947-70E740481C1C}">
+                <a14:useLocalDpi xmlns:a14="http://schemas.microsoft.com/office/drawing/2010/main" val="0"/>
+              </a:ext>
+            </a:extLst>
+          </a:blip>
+          <a:stretch>
+            <a:fillRect/>
+          </a:stretch>
+        </p:blipFill>
+        <p:spPr>
+          <a:xfrm>
+            <a:off x="9766022" y="3422271"/>
+            <a:ext cx="1331057" cy="940059"/>
+          </a:xfrm>
+          <a:prstGeom prst="rect">
+            <a:avLst/>
+          </a:prstGeom>
+        </p:spPr>
+      </p:pic>
+      <p:sp>
+        <p:nvSpPr>
+          <p:cNvPr id="10" name="Двойная стрелка влево/вправо 9"/>
+          <p:cNvSpPr/>
+          <p:nvPr/>
+        </p:nvSpPr>
+        <p:spPr>
+          <a:xfrm>
+            <a:off x="2090775" y="4576616"/>
+            <a:ext cx="3276483" cy="576016"/>
+          </a:xfrm>
+          <a:prstGeom prst="leftRightArrow">
+            <a:avLst/>
+          </a:prstGeom>
+        </p:spPr>
+        <p:style>
+          <a:lnRef idx="2">
+            <a:schemeClr val="accent1">
+              <a:shade val="50000"/>
+            </a:schemeClr>
+          </a:lnRef>
+          <a:fillRef idx="1">
+            <a:schemeClr val="accent1"/>
+          </a:fillRef>
+          <a:effectRef idx="0">
+            <a:schemeClr val="accent1"/>
+          </a:effectRef>
+          <a:fontRef idx="minor">
+            <a:schemeClr val="lt1"/>
+          </a:fontRef>
+        </p:style>
+        <p:txBody>
+          <a:bodyPr rtlCol="0" anchor="ctr"/>
+          <a:lstStyle/>
+          <a:p>
+            <a:pPr algn="ctr"/>
+            <a:r>
+              <a:rPr lang="en-US" dirty="0" smtClean="0"/>
+              <a:t>HDMI</a:t>
+            </a:r>
+            <a:endParaRPr lang="ru-RU" dirty="0"/>
+          </a:p>
+        </p:txBody>
+      </p:sp>
+      <p:pic>
+        <p:nvPicPr>
+          <p:cNvPr id="12" name="Рисунок 11"/>
+          <p:cNvPicPr>
+            <a:picLocks noChangeAspect="1"/>
+          </p:cNvPicPr>
+          <p:nvPr/>
+        </p:nvPicPr>
+        <p:blipFill>
+          <a:blip r:embed="rId3" cstate="print">
+            <a:extLst>
+              <a:ext uri="{28A0092B-C50C-407E-A947-70E740481C1C}">
+                <a14:useLocalDpi xmlns:a14="http://schemas.microsoft.com/office/drawing/2010/main" val="0"/>
+              </a:ext>
+            </a:extLst>
+          </a:blip>
+          <a:stretch>
+            <a:fillRect/>
+          </a:stretch>
+        </p:blipFill>
+        <p:spPr>
+          <a:xfrm>
+            <a:off x="4474613" y="5358331"/>
+            <a:ext cx="860855" cy="473386"/>
+          </a:xfrm>
+          <a:prstGeom prst="rect">
+            <a:avLst/>
+          </a:prstGeom>
+        </p:spPr>
+      </p:pic>
+      <p:pic>
+        <p:nvPicPr>
+          <p:cNvPr id="13" name="Рисунок 12"/>
+          <p:cNvPicPr>
+            <a:picLocks noChangeAspect="1"/>
+          </p:cNvPicPr>
+          <p:nvPr/>
+        </p:nvPicPr>
+        <p:blipFill>
+          <a:blip r:embed="rId4" cstate="print">
+            <a:extLst>
+              <a:ext uri="{28A0092B-C50C-407E-A947-70E740481C1C}">
+                <a14:useLocalDpi xmlns:a14="http://schemas.microsoft.com/office/drawing/2010/main" val="0"/>
+              </a:ext>
+            </a:extLst>
+          </a:blip>
+          <a:stretch>
+            <a:fillRect/>
+          </a:stretch>
+        </p:blipFill>
+        <p:spPr>
+          <a:xfrm>
+            <a:off x="1442062" y="5514663"/>
+            <a:ext cx="509736" cy="468048"/>
+          </a:xfrm>
+          <a:prstGeom prst="rect">
+            <a:avLst/>
+          </a:prstGeom>
+        </p:spPr>
+      </p:pic>
+      <p:pic>
+        <p:nvPicPr>
+          <p:cNvPr id="14" name="Рисунок 13"/>
+          <p:cNvPicPr>
+            <a:picLocks noChangeAspect="1"/>
+          </p:cNvPicPr>
+          <p:nvPr/>
+        </p:nvPicPr>
+        <p:blipFill>
+          <a:blip r:embed="rId5" cstate="print">
+            <a:extLst>
+              <a:ext uri="{28A0092B-C50C-407E-A947-70E740481C1C}">
+                <a14:useLocalDpi xmlns:a14="http://schemas.microsoft.com/office/drawing/2010/main" val="0"/>
+              </a:ext>
+            </a:extLst>
+          </a:blip>
+          <a:stretch>
+            <a:fillRect/>
+          </a:stretch>
+        </p:blipFill>
+        <p:spPr>
+          <a:xfrm>
+            <a:off x="2895893" y="3223293"/>
+            <a:ext cx="1581603" cy="1338016"/>
+          </a:xfrm>
+          <a:prstGeom prst="rect">
+            <a:avLst/>
+          </a:prstGeom>
+        </p:spPr>
+      </p:pic>
+      <p:pic>
+        <p:nvPicPr>
+          <p:cNvPr id="17" name="Рисунок 16"/>
+          <p:cNvPicPr>
+            <a:picLocks noChangeAspect="1"/>
+          </p:cNvPicPr>
+          <p:nvPr/>
+        </p:nvPicPr>
+        <p:blipFill>
+          <a:blip r:embed="rId3" cstate="print">
+            <a:extLst>
+              <a:ext uri="{28A0092B-C50C-407E-A947-70E740481C1C}">
+                <a14:useLocalDpi xmlns:a14="http://schemas.microsoft.com/office/drawing/2010/main" val="0"/>
+              </a:ext>
+            </a:extLst>
+          </a:blip>
+          <a:stretch>
+            <a:fillRect/>
+          </a:stretch>
+        </p:blipFill>
+        <p:spPr>
+          <a:xfrm>
+            <a:off x="3702497" y="5358331"/>
+            <a:ext cx="860855" cy="473386"/>
+          </a:xfrm>
+          <a:prstGeom prst="rect">
+            <a:avLst/>
+          </a:prstGeom>
+        </p:spPr>
+      </p:pic>
+      <p:pic>
+        <p:nvPicPr>
+          <p:cNvPr id="18" name="Рисунок 17"/>
+          <p:cNvPicPr>
+            <a:picLocks noChangeAspect="1"/>
+          </p:cNvPicPr>
+          <p:nvPr/>
+        </p:nvPicPr>
+        <p:blipFill>
+          <a:blip r:embed="rId3" cstate="print">
+            <a:extLst>
+              <a:ext uri="{28A0092B-C50C-407E-A947-70E740481C1C}">
+                <a14:useLocalDpi xmlns:a14="http://schemas.microsoft.com/office/drawing/2010/main" val="0"/>
+              </a:ext>
+            </a:extLst>
+          </a:blip>
+          <a:stretch>
+            <a:fillRect/>
+          </a:stretch>
+        </p:blipFill>
+        <p:spPr>
+          <a:xfrm>
+            <a:off x="2923215" y="5350643"/>
+            <a:ext cx="860855" cy="473386"/>
+          </a:xfrm>
+          <a:prstGeom prst="rect">
+            <a:avLst/>
+          </a:prstGeom>
+        </p:spPr>
+      </p:pic>
+      <p:pic>
+        <p:nvPicPr>
+          <p:cNvPr id="19" name="Рисунок 18"/>
+          <p:cNvPicPr>
+            <a:picLocks noChangeAspect="1"/>
+          </p:cNvPicPr>
+          <p:nvPr/>
+        </p:nvPicPr>
+        <p:blipFill>
+          <a:blip r:embed="rId3" cstate="print">
+            <a:extLst>
+              <a:ext uri="{28A0092B-C50C-407E-A947-70E740481C1C}">
+                <a14:useLocalDpi xmlns:a14="http://schemas.microsoft.com/office/drawing/2010/main" val="0"/>
+              </a:ext>
+            </a:extLst>
+          </a:blip>
+          <a:stretch>
+            <a:fillRect/>
+          </a:stretch>
+        </p:blipFill>
+        <p:spPr>
+          <a:xfrm>
+            <a:off x="2155563" y="5350643"/>
+            <a:ext cx="860855" cy="473386"/>
+          </a:xfrm>
+          <a:prstGeom prst="rect">
+            <a:avLst/>
+          </a:prstGeom>
+        </p:spPr>
+      </p:pic>
+      <p:sp>
+        <p:nvSpPr>
+          <p:cNvPr id="20" name="Двойная стрелка влево/вправо 19"/>
+          <p:cNvSpPr/>
+          <p:nvPr/>
+        </p:nvSpPr>
+        <p:spPr>
+          <a:xfrm>
+            <a:off x="5385703" y="4561309"/>
+            <a:ext cx="1119234" cy="576016"/>
+          </a:xfrm>
+          <a:prstGeom prst="leftRightArrow">
+            <a:avLst/>
+          </a:prstGeom>
+        </p:spPr>
+        <p:style>
+          <a:lnRef idx="2">
+            <a:schemeClr val="accent1">
+              <a:shade val="50000"/>
+            </a:schemeClr>
+          </a:lnRef>
+          <a:fillRef idx="1">
+            <a:schemeClr val="accent1"/>
+          </a:fillRef>
+          <a:effectRef idx="0">
+            <a:schemeClr val="accent1"/>
+          </a:effectRef>
+          <a:fontRef idx="minor">
+            <a:schemeClr val="lt1"/>
+          </a:fontRef>
+        </p:style>
+        <p:txBody>
+          <a:bodyPr rtlCol="0" anchor="ctr"/>
+          <a:lstStyle/>
+          <a:p>
+            <a:pPr algn="ctr"/>
+            <a:r>
+              <a:rPr lang="en-US" dirty="0" smtClean="0"/>
+              <a:t>USB</a:t>
+            </a:r>
+            <a:endParaRPr lang="ru-RU" dirty="0"/>
+          </a:p>
+        </p:txBody>
+      </p:sp>
+      <p:sp>
+        <p:nvSpPr>
+          <p:cNvPr id="21" name="Двойная стрелка влево/вправо 20"/>
+          <p:cNvSpPr/>
+          <p:nvPr/>
+        </p:nvSpPr>
+        <p:spPr>
+          <a:xfrm>
+            <a:off x="948623" y="4578440"/>
+            <a:ext cx="1109873" cy="574192"/>
+          </a:xfrm>
+          <a:prstGeom prst="leftRightArrow">
+            <a:avLst/>
+          </a:prstGeom>
+        </p:spPr>
+        <p:style>
+          <a:lnRef idx="2">
+            <a:schemeClr val="accent1">
+              <a:shade val="50000"/>
+            </a:schemeClr>
+          </a:lnRef>
+          <a:fillRef idx="1">
+            <a:schemeClr val="accent1"/>
+          </a:fillRef>
+          <a:effectRef idx="0">
+            <a:schemeClr val="accent1"/>
+          </a:effectRef>
+          <a:fontRef idx="minor">
+            <a:schemeClr val="lt1"/>
+          </a:fontRef>
+        </p:style>
+        <p:txBody>
+          <a:bodyPr rtlCol="0" anchor="ctr"/>
+          <a:lstStyle/>
+          <a:p>
+            <a:pPr algn="ctr"/>
+            <a:r>
+              <a:rPr lang="en-US" dirty="0" smtClean="0"/>
+              <a:t>Serial</a:t>
+            </a:r>
+            <a:endParaRPr lang="ru-RU" dirty="0"/>
+          </a:p>
+        </p:txBody>
+      </p:sp>
+      <p:pic>
+        <p:nvPicPr>
+          <p:cNvPr id="23" name="Рисунок 22"/>
+          <p:cNvPicPr>
+            <a:picLocks noChangeAspect="1"/>
+          </p:cNvPicPr>
+          <p:nvPr/>
+        </p:nvPicPr>
+        <p:blipFill>
+          <a:blip r:embed="rId6" cstate="print">
+            <a:extLst>
+              <a:ext uri="{28A0092B-C50C-407E-A947-70E740481C1C}">
+                <a14:useLocalDpi xmlns:a14="http://schemas.microsoft.com/office/drawing/2010/main" val="0"/>
+              </a:ext>
+            </a:extLst>
+          </a:blip>
+          <a:stretch>
+            <a:fillRect/>
+          </a:stretch>
+        </p:blipFill>
+        <p:spPr>
+          <a:xfrm>
+            <a:off x="5588789" y="5224705"/>
+            <a:ext cx="725262" cy="725262"/>
+          </a:xfrm>
+          <a:prstGeom prst="rect">
+            <a:avLst/>
+          </a:prstGeom>
+        </p:spPr>
+      </p:pic>
     </p:spTree>
     <p:extLst>
       <p:ext uri="{BB962C8B-B14F-4D97-AF65-F5344CB8AC3E}">
-        <p14:creationId xmlns:p14="http://schemas.microsoft.com/office/powerpoint/2010/main" val="2470139756"/>
+        <p14:creationId xmlns:p14="http://schemas.microsoft.com/office/powerpoint/2010/main" val="269482768"/>
       </p:ext>
     </p:extLst>
   </p:cSld>
@@ -8557,310 +10365,516 @@
       </p:grpSpPr>
       <p:sp>
         <p:nvSpPr>
-          <p:cNvPr id="2" name="Заголовок 1"/>
-          <p:cNvSpPr>
-            <a:spLocks noGrp="1"/>
-          </p:cNvSpPr>
-          <p:nvPr>
-            <p:ph type="title"/>
-          </p:nvPr>
-        </p:nvSpPr>
-        <p:spPr/>
-        <p:txBody>
-          <a:bodyPr/>
-          <a:lstStyle/>
-          <a:p>
-            <a:r>
-              <a:rPr lang="en-US" dirty="0"/>
-              <a:t>Optical </a:t>
-            </a:r>
-            <a:r>
-              <a:rPr lang="en-US" dirty="0" smtClean="0"/>
-              <a:t>Math Laws</a:t>
-            </a:r>
-            <a:endParaRPr lang="ru-RU" dirty="0"/>
-          </a:p>
-        </p:txBody>
-      </p:sp>
-      <p:sp>
-        <p:nvSpPr>
-          <p:cNvPr id="3" name="Объект 2"/>
-          <p:cNvSpPr>
-            <a:spLocks noGrp="1"/>
-          </p:cNvSpPr>
-          <p:nvPr>
-            <p:ph idx="1"/>
-          </p:nvPr>
+          <p:cNvPr id="22" name="Блок-схема: процесс 21"/>
+          <p:cNvSpPr/>
+          <p:nvPr/>
         </p:nvSpPr>
         <p:spPr>
           <a:xfrm>
-            <a:off x="677334" y="1579419"/>
-            <a:ext cx="8596668" cy="4461944"/>
+            <a:off x="798022" y="3100647"/>
+            <a:ext cx="6068291" cy="3158837"/>
+          </a:xfrm>
+          <a:prstGeom prst="flowChartProcess">
+            <a:avLst/>
+          </a:prstGeom>
+        </p:spPr>
+        <p:style>
+          <a:lnRef idx="2">
+            <a:schemeClr val="accent1">
+              <a:shade val="50000"/>
+            </a:schemeClr>
+          </a:lnRef>
+          <a:fillRef idx="1">
+            <a:schemeClr val="accent1"/>
+          </a:fillRef>
+          <a:effectRef idx="0">
+            <a:schemeClr val="accent1"/>
+          </a:effectRef>
+          <a:fontRef idx="minor">
+            <a:schemeClr val="lt1"/>
+          </a:fontRef>
+        </p:style>
+        <p:txBody>
+          <a:bodyPr rtlCol="0" anchor="ctr"/>
+          <a:lstStyle/>
+          <a:p>
+            <a:pPr algn="ctr"/>
+            <a:endParaRPr lang="ru-RU"/>
+          </a:p>
+        </p:txBody>
+      </p:sp>
+      <p:sp>
+        <p:nvSpPr>
+          <p:cNvPr id="2" name="Заголовок 1"/>
+          <p:cNvSpPr>
+            <a:spLocks noGrp="1"/>
+          </p:cNvSpPr>
+          <p:nvPr>
+            <p:ph type="title"/>
+          </p:nvPr>
+        </p:nvSpPr>
+        <p:spPr/>
+        <p:txBody>
+          <a:bodyPr/>
+          <a:lstStyle/>
+          <a:p>
+            <a:r>
+              <a:rPr lang="en-US" dirty="0" smtClean="0"/>
+              <a:t>Embedded Software Architecture</a:t>
+            </a:r>
+            <a:endParaRPr lang="ru-RU" dirty="0"/>
+          </a:p>
+        </p:txBody>
+      </p:sp>
+      <p:pic>
+        <p:nvPicPr>
+          <p:cNvPr id="6" name="Объект 5"/>
+          <p:cNvPicPr>
+            <a:picLocks noGrp="1" noChangeAspect="1"/>
+          </p:cNvPicPr>
+          <p:nvPr>
+            <p:ph idx="1"/>
+          </p:nvPr>
+        </p:nvPicPr>
+        <p:blipFill>
+          <a:blip r:embed="rId2" cstate="print">
+            <a:extLst>
+              <a:ext uri="{28A0092B-C50C-407E-A947-70E740481C1C}">
+                <a14:useLocalDpi xmlns:a14="http://schemas.microsoft.com/office/drawing/2010/main" val="0"/>
+              </a:ext>
+            </a:extLst>
+          </a:blip>
+          <a:stretch>
+            <a:fillRect/>
+          </a:stretch>
+        </p:blipFill>
+        <p:spPr>
+          <a:xfrm>
+            <a:off x="7025602" y="3422272"/>
+            <a:ext cx="1331057" cy="940059"/>
           </a:xfrm>
         </p:spPr>
-        <p:txBody>
-          <a:bodyPr>
-            <a:normAutofit fontScale="85000" lnSpcReduction="20000"/>
-          </a:bodyPr>
-          <a:lstStyle/>
-          <a:p>
-            <a:pPr marL="0" indent="0">
-              <a:buNone/>
-            </a:pPr>
-            <a:r>
-              <a:rPr lang="en-US" dirty="0" smtClean="0"/>
-              <a:t>Classical view to</a:t>
-            </a:r>
-            <a:r>
-              <a:rPr lang="en-US" dirty="0"/>
-              <a:t> Optical Box </a:t>
-            </a:r>
-            <a:r>
-              <a:rPr lang="en-US" dirty="0" smtClean="0"/>
-              <a:t>Model give us a formula suggested</a:t>
-            </a:r>
-            <a:endParaRPr lang="en-US" dirty="0"/>
-          </a:p>
-          <a:p>
-            <a:pPr marL="0" indent="0" algn="ctr">
-              <a:buNone/>
-            </a:pPr>
-            <a:r>
-              <a:rPr lang="en-US" dirty="0"/>
-              <a:t>Y</a:t>
-            </a:r>
-            <a:r>
-              <a:rPr lang="en-US" dirty="0" smtClean="0"/>
-              <a:t> = | X1 * M1 x X2 * M2 x X3 * M3 … |</a:t>
-            </a:r>
-          </a:p>
-          <a:p>
-            <a:pPr marL="0" indent="0" algn="ctr">
-              <a:buNone/>
-            </a:pPr>
-            <a:r>
-              <a:rPr lang="en-US" dirty="0" smtClean="0"/>
-              <a:t>Where are X1, X2, X3 … is real values of DLPs, </a:t>
-            </a:r>
-          </a:p>
-          <a:p>
-            <a:pPr marL="0" indent="0" algn="ctr">
-              <a:buNone/>
-            </a:pPr>
-            <a:r>
-              <a:rPr lang="en-US" dirty="0" smtClean="0"/>
-              <a:t>M1, M2, M3 … is complex transformation matrices depended from current device</a:t>
-            </a:r>
-          </a:p>
-          <a:p>
-            <a:pPr marL="0" indent="0" algn="ctr">
-              <a:buNone/>
-            </a:pPr>
-            <a:r>
-              <a:rPr lang="en-US" dirty="0" smtClean="0"/>
-              <a:t>Operator “x” – by-item vector multiplication</a:t>
-            </a:r>
-          </a:p>
-          <a:p>
-            <a:pPr marL="0" indent="0" algn="ctr">
-              <a:buNone/>
-            </a:pPr>
-            <a:r>
-              <a:rPr lang="en-US" dirty="0"/>
-              <a:t>Operator </a:t>
-            </a:r>
-            <a:r>
-              <a:rPr lang="en-US" dirty="0" smtClean="0"/>
-              <a:t>“*” </a:t>
-            </a:r>
-            <a:r>
-              <a:rPr lang="en-US" dirty="0"/>
-              <a:t>– </a:t>
-            </a:r>
-            <a:r>
-              <a:rPr lang="en-US" dirty="0" smtClean="0"/>
-              <a:t>vector-to-matrix multiplication</a:t>
-            </a:r>
-          </a:p>
-          <a:p>
-            <a:pPr marL="0" indent="0" algn="ctr">
-              <a:buNone/>
-            </a:pPr>
-            <a:r>
-              <a:rPr lang="en-US" dirty="0" smtClean="0"/>
-              <a:t>Operator || - </a:t>
-            </a:r>
-            <a:r>
-              <a:rPr lang="en-US" dirty="0"/>
-              <a:t>by-item </a:t>
-            </a:r>
-            <a:r>
-              <a:rPr lang="en-US" dirty="0" smtClean="0"/>
-              <a:t>amplitude taken </a:t>
-            </a:r>
-          </a:p>
-          <a:p>
-            <a:pPr marL="0" indent="0" algn="just">
-              <a:buNone/>
-            </a:pPr>
-            <a:r>
-              <a:rPr lang="en-US" dirty="0" smtClean="0"/>
-              <a:t>This formula suggested is based on classical linear optics with ideal light, precision sizes, etc. and is not valid for us because </a:t>
-            </a:r>
-            <a:r>
-              <a:rPr lang="en-US" dirty="0"/>
-              <a:t>we are use Interference and Diffraction of light (EMW) </a:t>
-            </a:r>
-            <a:r>
-              <a:rPr lang="en-US" dirty="0" smtClean="0"/>
-              <a:t>on a real not high-precision device.</a:t>
-            </a:r>
-          </a:p>
-          <a:p>
-            <a:pPr marL="0" indent="0" algn="just">
-              <a:buNone/>
-            </a:pPr>
-            <a:r>
-              <a:rPr lang="en-US" dirty="0" smtClean="0"/>
-              <a:t>If Interference </a:t>
-            </a:r>
-            <a:r>
-              <a:rPr lang="en-US" dirty="0"/>
-              <a:t>and Diffraction of light (EMW</a:t>
-            </a:r>
-            <a:r>
-              <a:rPr lang="en-US" dirty="0" smtClean="0"/>
-              <a:t>) the result effect is more complex and optic physics can guaranty only</a:t>
-            </a:r>
-          </a:p>
-          <a:p>
-            <a:pPr marL="0" indent="0" algn="ctr">
-              <a:buNone/>
-            </a:pPr>
-            <a:r>
-              <a:rPr lang="en-US" dirty="0" err="1"/>
-              <a:t>d</a:t>
-            </a:r>
-            <a:r>
-              <a:rPr lang="en-US" dirty="0" err="1" smtClean="0"/>
-              <a:t>Yi</a:t>
-            </a:r>
-            <a:r>
-              <a:rPr lang="en-US" dirty="0" smtClean="0"/>
-              <a:t> = | </a:t>
-            </a:r>
-            <a:r>
-              <a:rPr lang="en-US" dirty="0" err="1" smtClean="0"/>
-              <a:t>gi</a:t>
-            </a:r>
-            <a:r>
-              <a:rPr lang="en-US" dirty="0" smtClean="0"/>
-              <a:t>(X1</a:t>
-            </a:r>
-            <a:r>
-              <a:rPr lang="en-US" dirty="0"/>
-              <a:t>,…</a:t>
-            </a:r>
-            <a:r>
-              <a:rPr lang="en-US" dirty="0" smtClean="0"/>
-              <a:t>Xi) + </a:t>
-            </a:r>
-            <a:r>
-              <a:rPr lang="en-US" dirty="0" err="1" smtClean="0"/>
-              <a:t>dXi</a:t>
-            </a:r>
-            <a:r>
-              <a:rPr lang="en-US" dirty="0" smtClean="0"/>
-              <a:t>*</a:t>
-            </a:r>
-            <a:r>
-              <a:rPr lang="en-US" dirty="0" err="1" smtClean="0"/>
-              <a:t>Mi</a:t>
-            </a:r>
-            <a:r>
-              <a:rPr lang="en-US" dirty="0" smtClean="0"/>
-              <a:t> |</a:t>
+      </p:pic>
+      <p:sp>
+        <p:nvSpPr>
+          <p:cNvPr id="5" name="Двойная стрелка влево/вправо 4"/>
+          <p:cNvSpPr/>
+          <p:nvPr/>
+        </p:nvSpPr>
+        <p:spPr>
+          <a:xfrm>
+            <a:off x="775115" y="2339010"/>
+            <a:ext cx="10321964" cy="548640"/>
+          </a:xfrm>
+          <a:prstGeom prst="leftRightArrow">
+            <a:avLst/>
+          </a:prstGeom>
+        </p:spPr>
+        <p:style>
+          <a:lnRef idx="2">
+            <a:schemeClr val="accent1">
+              <a:shade val="50000"/>
+            </a:schemeClr>
+          </a:lnRef>
+          <a:fillRef idx="1">
+            <a:schemeClr val="accent1"/>
+          </a:fillRef>
+          <a:effectRef idx="0">
+            <a:schemeClr val="accent1"/>
+          </a:effectRef>
+          <a:fontRef idx="minor">
+            <a:schemeClr val="lt1"/>
+          </a:fontRef>
+        </p:style>
+        <p:txBody>
+          <a:bodyPr rtlCol="0" anchor="ctr"/>
+          <a:lstStyle/>
+          <a:p>
+            <a:pPr algn="ctr"/>
+            <a:r>
+              <a:rPr lang="en-US" dirty="0" smtClean="0"/>
+              <a:t>TCP/IP</a:t>
             </a:r>
             <a:endParaRPr lang="ru-RU" dirty="0"/>
           </a:p>
-          <a:p>
-            <a:pPr marL="0" indent="0" algn="ctr">
-              <a:buNone/>
-            </a:pPr>
-            <a:r>
-              <a:rPr lang="en-US" dirty="0" smtClean="0"/>
-              <a:t>Or </a:t>
-            </a:r>
-            <a:r>
-              <a:rPr lang="en-US" dirty="0" err="1" smtClean="0"/>
-              <a:t>dY</a:t>
-            </a:r>
-            <a:r>
-              <a:rPr lang="en-US" dirty="0" smtClean="0"/>
-              <a:t> = | g(X1,…,</a:t>
-            </a:r>
-            <a:r>
-              <a:rPr lang="en-US" dirty="0" err="1" smtClean="0"/>
-              <a:t>Xn</a:t>
-            </a:r>
-            <a:r>
-              <a:rPr lang="en-US" dirty="0" smtClean="0"/>
-              <a:t>) + </a:t>
-            </a:r>
-            <a:r>
-              <a:rPr lang="en-US" dirty="0" err="1" smtClean="0"/>
-              <a:t>dXn</a:t>
-            </a:r>
-            <a:r>
-              <a:rPr lang="en-US" dirty="0" smtClean="0"/>
-              <a:t>*</a:t>
-            </a:r>
-            <a:r>
-              <a:rPr lang="en-US" dirty="0" err="1" smtClean="0"/>
-              <a:t>Mn</a:t>
-            </a:r>
-            <a:r>
-              <a:rPr lang="en-US" dirty="0" smtClean="0"/>
-              <a:t> |</a:t>
+        </p:txBody>
+      </p:sp>
+      <p:pic>
+        <p:nvPicPr>
+          <p:cNvPr id="7" name="Объект 5"/>
+          <p:cNvPicPr>
+            <a:picLocks noChangeAspect="1"/>
+          </p:cNvPicPr>
+          <p:nvPr/>
+        </p:nvPicPr>
+        <p:blipFill>
+          <a:blip r:embed="rId2" cstate="print">
+            <a:extLst>
+              <a:ext uri="{28A0092B-C50C-407E-A947-70E740481C1C}">
+                <a14:useLocalDpi xmlns:a14="http://schemas.microsoft.com/office/drawing/2010/main" val="0"/>
+              </a:ext>
+            </a:extLst>
+          </a:blip>
+          <a:stretch>
+            <a:fillRect/>
+          </a:stretch>
+        </p:blipFill>
+        <p:spPr>
+          <a:xfrm>
+            <a:off x="8434965" y="3422271"/>
+            <a:ext cx="1331057" cy="940059"/>
+          </a:xfrm>
+          <a:prstGeom prst="rect">
+            <a:avLst/>
+          </a:prstGeom>
+        </p:spPr>
+      </p:pic>
+      <p:pic>
+        <p:nvPicPr>
+          <p:cNvPr id="8" name="Объект 5"/>
+          <p:cNvPicPr>
+            <a:picLocks noChangeAspect="1"/>
+          </p:cNvPicPr>
+          <p:nvPr/>
+        </p:nvPicPr>
+        <p:blipFill>
+          <a:blip r:embed="rId2" cstate="print">
+            <a:extLst>
+              <a:ext uri="{28A0092B-C50C-407E-A947-70E740481C1C}">
+                <a14:useLocalDpi xmlns:a14="http://schemas.microsoft.com/office/drawing/2010/main" val="0"/>
+              </a:ext>
+            </a:extLst>
+          </a:blip>
+          <a:stretch>
+            <a:fillRect/>
+          </a:stretch>
+        </p:blipFill>
+        <p:spPr>
+          <a:xfrm>
+            <a:off x="9766022" y="3422271"/>
+            <a:ext cx="1331057" cy="940059"/>
+          </a:xfrm>
+          <a:prstGeom prst="rect">
+            <a:avLst/>
+          </a:prstGeom>
+        </p:spPr>
+      </p:pic>
+      <p:pic>
+        <p:nvPicPr>
+          <p:cNvPr id="12" name="Рисунок 11"/>
+          <p:cNvPicPr>
+            <a:picLocks noChangeAspect="1"/>
+          </p:cNvPicPr>
+          <p:nvPr/>
+        </p:nvPicPr>
+        <p:blipFill>
+          <a:blip r:embed="rId3" cstate="print">
+            <a:extLst>
+              <a:ext uri="{28A0092B-C50C-407E-A947-70E740481C1C}">
+                <a14:useLocalDpi xmlns:a14="http://schemas.microsoft.com/office/drawing/2010/main" val="0"/>
+              </a:ext>
+            </a:extLst>
+          </a:blip>
+          <a:stretch>
+            <a:fillRect/>
+          </a:stretch>
+        </p:blipFill>
+        <p:spPr>
+          <a:xfrm>
+            <a:off x="4474613" y="5358331"/>
+            <a:ext cx="860855" cy="473386"/>
+          </a:xfrm>
+          <a:prstGeom prst="rect">
+            <a:avLst/>
+          </a:prstGeom>
+        </p:spPr>
+      </p:pic>
+      <p:pic>
+        <p:nvPicPr>
+          <p:cNvPr id="13" name="Рисунок 12"/>
+          <p:cNvPicPr>
+            <a:picLocks noChangeAspect="1"/>
+          </p:cNvPicPr>
+          <p:nvPr/>
+        </p:nvPicPr>
+        <p:blipFill>
+          <a:blip r:embed="rId4" cstate="print">
+            <a:extLst>
+              <a:ext uri="{28A0092B-C50C-407E-A947-70E740481C1C}">
+                <a14:useLocalDpi xmlns:a14="http://schemas.microsoft.com/office/drawing/2010/main" val="0"/>
+              </a:ext>
+            </a:extLst>
+          </a:blip>
+          <a:stretch>
+            <a:fillRect/>
+          </a:stretch>
+        </p:blipFill>
+        <p:spPr>
+          <a:xfrm>
+            <a:off x="1442062" y="5514663"/>
+            <a:ext cx="509736" cy="468048"/>
+          </a:xfrm>
+          <a:prstGeom prst="rect">
+            <a:avLst/>
+          </a:prstGeom>
+        </p:spPr>
+      </p:pic>
+      <p:pic>
+        <p:nvPicPr>
+          <p:cNvPr id="17" name="Рисунок 16"/>
+          <p:cNvPicPr>
+            <a:picLocks noChangeAspect="1"/>
+          </p:cNvPicPr>
+          <p:nvPr/>
+        </p:nvPicPr>
+        <p:blipFill>
+          <a:blip r:embed="rId3" cstate="print">
+            <a:extLst>
+              <a:ext uri="{28A0092B-C50C-407E-A947-70E740481C1C}">
+                <a14:useLocalDpi xmlns:a14="http://schemas.microsoft.com/office/drawing/2010/main" val="0"/>
+              </a:ext>
+            </a:extLst>
+          </a:blip>
+          <a:stretch>
+            <a:fillRect/>
+          </a:stretch>
+        </p:blipFill>
+        <p:spPr>
+          <a:xfrm>
+            <a:off x="3702497" y="5358331"/>
+            <a:ext cx="860855" cy="473386"/>
+          </a:xfrm>
+          <a:prstGeom prst="rect">
+            <a:avLst/>
+          </a:prstGeom>
+        </p:spPr>
+      </p:pic>
+      <p:pic>
+        <p:nvPicPr>
+          <p:cNvPr id="18" name="Рисунок 17"/>
+          <p:cNvPicPr>
+            <a:picLocks noChangeAspect="1"/>
+          </p:cNvPicPr>
+          <p:nvPr/>
+        </p:nvPicPr>
+        <p:blipFill>
+          <a:blip r:embed="rId3" cstate="print">
+            <a:extLst>
+              <a:ext uri="{28A0092B-C50C-407E-A947-70E740481C1C}">
+                <a14:useLocalDpi xmlns:a14="http://schemas.microsoft.com/office/drawing/2010/main" val="0"/>
+              </a:ext>
+            </a:extLst>
+          </a:blip>
+          <a:stretch>
+            <a:fillRect/>
+          </a:stretch>
+        </p:blipFill>
+        <p:spPr>
+          <a:xfrm>
+            <a:off x="2923215" y="5350643"/>
+            <a:ext cx="860855" cy="473386"/>
+          </a:xfrm>
+          <a:prstGeom prst="rect">
+            <a:avLst/>
+          </a:prstGeom>
+        </p:spPr>
+      </p:pic>
+      <p:pic>
+        <p:nvPicPr>
+          <p:cNvPr id="19" name="Рисунок 18"/>
+          <p:cNvPicPr>
+            <a:picLocks noChangeAspect="1"/>
+          </p:cNvPicPr>
+          <p:nvPr/>
+        </p:nvPicPr>
+        <p:blipFill>
+          <a:blip r:embed="rId3" cstate="print">
+            <a:extLst>
+              <a:ext uri="{28A0092B-C50C-407E-A947-70E740481C1C}">
+                <a14:useLocalDpi xmlns:a14="http://schemas.microsoft.com/office/drawing/2010/main" val="0"/>
+              </a:ext>
+            </a:extLst>
+          </a:blip>
+          <a:stretch>
+            <a:fillRect/>
+          </a:stretch>
+        </p:blipFill>
+        <p:spPr>
+          <a:xfrm>
+            <a:off x="2155563" y="5350643"/>
+            <a:ext cx="860855" cy="473386"/>
+          </a:xfrm>
+          <a:prstGeom prst="rect">
+            <a:avLst/>
+          </a:prstGeom>
+        </p:spPr>
+      </p:pic>
+      <p:sp>
+        <p:nvSpPr>
+          <p:cNvPr id="21" name="Двойная стрелка влево/вправо 20"/>
+          <p:cNvSpPr/>
+          <p:nvPr/>
+        </p:nvSpPr>
+        <p:spPr>
+          <a:xfrm>
+            <a:off x="2601883" y="3296261"/>
+            <a:ext cx="2477193" cy="702162"/>
+          </a:xfrm>
+          <a:prstGeom prst="leftRightArrow">
+            <a:avLst/>
+          </a:prstGeom>
+        </p:spPr>
+        <p:style>
+          <a:lnRef idx="2">
+            <a:schemeClr val="accent1">
+              <a:shade val="50000"/>
+            </a:schemeClr>
+          </a:lnRef>
+          <a:fillRef idx="1">
+            <a:schemeClr val="accent1"/>
+          </a:fillRef>
+          <a:effectRef idx="0">
+            <a:schemeClr val="accent1"/>
+          </a:effectRef>
+          <a:fontRef idx="minor">
+            <a:schemeClr val="lt1"/>
+          </a:fontRef>
+        </p:style>
+        <p:txBody>
+          <a:bodyPr rtlCol="0" anchor="ctr"/>
+          <a:lstStyle/>
+          <a:p>
+            <a:pPr algn="ctr"/>
+            <a:r>
+              <a:rPr lang="en-US" dirty="0" smtClean="0"/>
+              <a:t>Localhost</a:t>
             </a:r>
             <a:endParaRPr lang="ru-RU" dirty="0"/>
           </a:p>
-          <a:p>
-            <a:pPr marL="0" indent="0" algn="ctr">
-              <a:buNone/>
-            </a:pPr>
-            <a:r>
-              <a:rPr lang="en-US" dirty="0"/>
-              <a:t>Where </a:t>
-            </a:r>
-            <a:r>
-              <a:rPr lang="en-US" dirty="0" smtClean="0"/>
-              <a:t>are g –</a:t>
-            </a:r>
-            <a:r>
-              <a:rPr lang="ru-RU" dirty="0" smtClean="0"/>
-              <a:t> </a:t>
-            </a:r>
-            <a:r>
-              <a:rPr lang="en-US" dirty="0" smtClean="0"/>
-              <a:t>non-linear function, low depended from O(</a:t>
-            </a:r>
-            <a:r>
-              <a:rPr lang="en-US" dirty="0" err="1" smtClean="0"/>
-              <a:t>dXn</a:t>
-            </a:r>
-            <a:r>
-              <a:rPr lang="en-US" dirty="0" smtClean="0"/>
-              <a:t>)</a:t>
+        </p:txBody>
+      </p:sp>
+      <p:sp>
+        <p:nvSpPr>
+          <p:cNvPr id="3" name="Блок-схема: типовой процесс 2"/>
+          <p:cNvSpPr/>
+          <p:nvPr/>
+        </p:nvSpPr>
+        <p:spPr>
+          <a:xfrm>
+            <a:off x="1440556" y="4384966"/>
+            <a:ext cx="2424862" cy="525554"/>
+          </a:xfrm>
+          <a:prstGeom prst="flowChartPredefinedProcess">
+            <a:avLst/>
+          </a:prstGeom>
+        </p:spPr>
+        <p:style>
+          <a:lnRef idx="2">
+            <a:schemeClr val="accent1">
+              <a:shade val="50000"/>
+            </a:schemeClr>
+          </a:lnRef>
+          <a:fillRef idx="1">
+            <a:schemeClr val="accent1"/>
+          </a:fillRef>
+          <a:effectRef idx="0">
+            <a:schemeClr val="accent1"/>
+          </a:effectRef>
+          <a:fontRef idx="minor">
+            <a:schemeClr val="lt1"/>
+          </a:fontRef>
+        </p:style>
+        <p:txBody>
+          <a:bodyPr rtlCol="0" anchor="ctr"/>
+          <a:lstStyle/>
+          <a:p>
+            <a:pPr algn="ctr"/>
+            <a:r>
+              <a:rPr lang="en-US" dirty="0" smtClean="0"/>
+              <a:t>VLC</a:t>
             </a:r>
             <a:endParaRPr lang="ru-RU" dirty="0"/>
           </a:p>
         </p:txBody>
       </p:sp>
+      <p:sp>
+        <p:nvSpPr>
+          <p:cNvPr id="4" name="Блок-схема: типовой процесс 3"/>
+          <p:cNvSpPr/>
+          <p:nvPr/>
+        </p:nvSpPr>
+        <p:spPr>
+          <a:xfrm>
+            <a:off x="4024707" y="4362330"/>
+            <a:ext cx="2492470" cy="525554"/>
+          </a:xfrm>
+          <a:prstGeom prst="flowChartPredefinedProcess">
+            <a:avLst/>
+          </a:prstGeom>
+        </p:spPr>
+        <p:style>
+          <a:lnRef idx="2">
+            <a:schemeClr val="accent1">
+              <a:shade val="50000"/>
+            </a:schemeClr>
+          </a:lnRef>
+          <a:fillRef idx="1">
+            <a:schemeClr val="accent1"/>
+          </a:fillRef>
+          <a:effectRef idx="0">
+            <a:schemeClr val="accent1"/>
+          </a:effectRef>
+          <a:fontRef idx="minor">
+            <a:schemeClr val="lt1"/>
+          </a:fontRef>
+        </p:style>
+        <p:txBody>
+          <a:bodyPr rtlCol="0" anchor="ctr"/>
+          <a:lstStyle/>
+          <a:p>
+            <a:pPr algn="ctr"/>
+            <a:r>
+              <a:rPr lang="en-US" dirty="0" smtClean="0"/>
+              <a:t>MOTION</a:t>
+            </a:r>
+            <a:endParaRPr lang="ru-RU" dirty="0"/>
+          </a:p>
+        </p:txBody>
+      </p:sp>
+      <p:pic>
+        <p:nvPicPr>
+          <p:cNvPr id="20" name="Рисунок 19"/>
+          <p:cNvPicPr>
+            <a:picLocks noChangeAspect="1"/>
+          </p:cNvPicPr>
+          <p:nvPr/>
+        </p:nvPicPr>
+        <p:blipFill>
+          <a:blip r:embed="rId5" cstate="print">
+            <a:extLst>
+              <a:ext uri="{28A0092B-C50C-407E-A947-70E740481C1C}">
+                <a14:useLocalDpi xmlns:a14="http://schemas.microsoft.com/office/drawing/2010/main" val="0"/>
+              </a:ext>
+            </a:extLst>
+          </a:blip>
+          <a:stretch>
+            <a:fillRect/>
+          </a:stretch>
+        </p:blipFill>
+        <p:spPr>
+          <a:xfrm>
+            <a:off x="5573466" y="5211053"/>
+            <a:ext cx="725262" cy="725262"/>
+          </a:xfrm>
+          <a:prstGeom prst="rect">
+            <a:avLst/>
+          </a:prstGeom>
+        </p:spPr>
+      </p:pic>
     </p:spTree>
     <p:extLst>
       <p:ext uri="{BB962C8B-B14F-4D97-AF65-F5344CB8AC3E}">
-        <p14:creationId xmlns:p14="http://schemas.microsoft.com/office/powerpoint/2010/main" val="529913207"/>
+        <p14:creationId xmlns:p14="http://schemas.microsoft.com/office/powerpoint/2010/main" val="2067359012"/>
       </p:ext>
     </p:extLst>
   </p:cSld>
